--- a/Retinear Google 2019.pptx
+++ b/Retinear Google 2019.pptx
@@ -8,8 +8,10 @@
     <p:sldId id="256" r:id="rId2"/>
     <p:sldId id="257" r:id="rId3"/>
     <p:sldId id="259" r:id="rId4"/>
-    <p:sldId id="260" r:id="rId5"/>
-    <p:sldId id="261" r:id="rId6"/>
+    <p:sldId id="262" r:id="rId5"/>
+    <p:sldId id="260" r:id="rId6"/>
+    <p:sldId id="263" r:id="rId7"/>
+    <p:sldId id="264" r:id="rId8"/>
   </p:sldIdLst>
   <p:sldSz cx="12192000" cy="6858000"/>
   <p:notesSz cx="6858000" cy="9144000"/>
@@ -4163,7 +4165,7 @@
           </p:cNvPicPr>
           <p:nvPr/>
         </p:nvPicPr>
-        <p:blipFill>
+        <p:blipFill rotWithShape="1">
           <a:blip r:embed="rId2">
             <a:extLst>
               <a:ext uri="{28A0092B-C50C-407E-A947-70E740481C1C}">
@@ -4171,14 +4173,13 @@
               </a:ext>
             </a:extLst>
           </a:blip>
-          <a:stretch>
-            <a:fillRect/>
-          </a:stretch>
+          <a:srcRect l="20686" t="14714" r="16055" b="29158"/>
+          <a:stretch/>
         </p:blipFill>
         <p:spPr>
           <a:xfrm>
-            <a:off x="1636973" y="824143"/>
-            <a:ext cx="5209714" cy="5209714"/>
+            <a:off x="2639325" y="1453515"/>
+            <a:ext cx="3456675" cy="3067050"/>
           </a:xfrm>
           <a:prstGeom prst="rect">
             <a:avLst/>
@@ -4241,6 +4242,86 @@
             <a:schemeClr val="lt1"/>
           </a:fontRef>
         </p:style>
+      </p:sp>
+      <p:sp>
+        <p:nvSpPr>
+          <p:cNvPr id="6" name="TextBox 5">
+            <a:extLst>
+              <a:ext uri="{FF2B5EF4-FFF2-40B4-BE49-F238E27FC236}">
+                <a16:creationId xmlns:a16="http://schemas.microsoft.com/office/drawing/2014/main" id="{54CD2068-7D8A-470C-A791-A6775D74F31D}"/>
+              </a:ext>
+            </a:extLst>
+          </p:cNvPr>
+          <p:cNvSpPr txBox="1"/>
+          <p:nvPr/>
+        </p:nvSpPr>
+        <p:spPr>
+          <a:xfrm>
+            <a:off x="8126826" y="1543650"/>
+            <a:ext cx="3503484" cy="646331"/>
+          </a:xfrm>
+          <a:prstGeom prst="rect">
+            <a:avLst/>
+          </a:prstGeom>
+          <a:noFill/>
+        </p:spPr>
+        <p:txBody>
+          <a:bodyPr wrap="square" rtlCol="0">
+            <a:spAutoFit/>
+          </a:bodyPr>
+          <a:lstStyle/>
+          <a:p>
+            <a:pPr algn="ctr"/>
+            <a:r>
+              <a:rPr lang="en-US" i="1" dirty="0">
+                <a:solidFill>
+                  <a:schemeClr val="bg1"/>
+                </a:solidFill>
+              </a:rPr>
+              <a:t>“Enabling the “Digital Sixth sense” for the visually impaired.”</a:t>
+            </a:r>
+          </a:p>
+        </p:txBody>
+      </p:sp>
+      <p:sp>
+        <p:nvSpPr>
+          <p:cNvPr id="7" name="TextBox 6">
+            <a:extLst>
+              <a:ext uri="{FF2B5EF4-FFF2-40B4-BE49-F238E27FC236}">
+                <a16:creationId xmlns:a16="http://schemas.microsoft.com/office/drawing/2014/main" id="{B715BE09-9359-4426-B1A8-9AC67C335726}"/>
+              </a:ext>
+            </a:extLst>
+          </p:cNvPr>
+          <p:cNvSpPr txBox="1"/>
+          <p:nvPr/>
+        </p:nvSpPr>
+        <p:spPr>
+          <a:xfrm>
+            <a:off x="8129873" y="5617972"/>
+            <a:ext cx="3615593" cy="646331"/>
+          </a:xfrm>
+          <a:prstGeom prst="rect">
+            <a:avLst/>
+          </a:prstGeom>
+          <a:noFill/>
+        </p:spPr>
+        <p:txBody>
+          <a:bodyPr wrap="square" rtlCol="0">
+            <a:spAutoFit/>
+          </a:bodyPr>
+          <a:lstStyle/>
+          <a:p>
+            <a:pPr algn="r"/>
+            <a:r>
+              <a:rPr lang="en-US" dirty="0">
+                <a:solidFill>
+                  <a:schemeClr val="bg1"/>
+                </a:solidFill>
+              </a:rPr>
+              <a:t>Hackers:  Anca, Ayo, Bogdan, Femi, Medhi, Vaibhav, Wilfrid</a:t>
+            </a:r>
+          </a:p>
+        </p:txBody>
       </p:sp>
     </p:spTree>
     <p:extLst>
@@ -4293,6 +4374,7 @@
           <a:bodyPr/>
           <a:lstStyle/>
           <a:p>
+            <a:pPr algn="ctr"/>
             <a:r>
               <a:rPr lang="en-US" dirty="0"/>
               <a:t>Overview</a:t>
@@ -4316,20 +4398,25 @@
             <p:ph idx="1"/>
           </p:nvPr>
         </p:nvSpPr>
-        <p:spPr/>
+        <p:spPr>
+          <a:xfrm>
+            <a:off x="809793" y="2383917"/>
+            <a:ext cx="9305758" cy="3278886"/>
+          </a:xfrm>
+        </p:spPr>
         <p:txBody>
           <a:bodyPr/>
           <a:lstStyle/>
           <a:p>
             <a:r>
               <a:rPr lang="en-US" dirty="0"/>
-              <a:t>Introduction</a:t>
+              <a:t>Challenge</a:t>
             </a:r>
           </a:p>
           <a:p>
             <a:r>
               <a:rPr lang="en-US" dirty="0"/>
-              <a:t>Challenge</a:t>
+              <a:t>Mission Statement</a:t>
             </a:r>
           </a:p>
           <a:p>
@@ -4341,7 +4428,13 @@
           <a:p>
             <a:r>
               <a:rPr lang="en-US" dirty="0"/>
-              <a:t>Implementation</a:t>
+              <a:t>Architecture</a:t>
+            </a:r>
+          </a:p>
+          <a:p>
+            <a:r>
+              <a:rPr lang="en-US" dirty="0"/>
+              <a:t>Future Opportunities</a:t>
             </a:r>
           </a:p>
         </p:txBody>
@@ -4373,6 +4466,53 @@
           <a:prstGeom prst="rect">
             <a:avLst/>
           </a:prstGeom>
+        </p:spPr>
+      </p:pic>
+      <p:pic>
+        <p:nvPicPr>
+          <p:cNvPr id="5126" name="Picture 6" descr="Image result for google social good">
+            <a:extLst>
+              <a:ext uri="{FF2B5EF4-FFF2-40B4-BE49-F238E27FC236}">
+                <a16:creationId xmlns:a16="http://schemas.microsoft.com/office/drawing/2014/main" id="{CE8A68B1-3E61-443A-AF4E-78B0054DF34F}"/>
+              </a:ext>
+            </a:extLst>
+          </p:cNvPr>
+          <p:cNvPicPr>
+            <a:picLocks noChangeAspect="1" noChangeArrowheads="1"/>
+          </p:cNvPicPr>
+          <p:nvPr/>
+        </p:nvPicPr>
+        <p:blipFill>
+          <a:blip r:embed="rId3">
+            <a:extLst>
+              <a:ext uri="{28A0092B-C50C-407E-A947-70E740481C1C}">
+                <a14:useLocalDpi xmlns:a14="http://schemas.microsoft.com/office/drawing/2010/main" val="0"/>
+              </a:ext>
+            </a:extLst>
+          </a:blip>
+          <a:srcRect/>
+          <a:stretch>
+            <a:fillRect/>
+          </a:stretch>
+        </p:blipFill>
+        <p:spPr bwMode="auto">
+          <a:xfrm>
+            <a:off x="5210175" y="2383918"/>
+            <a:ext cx="5618747" cy="3160546"/>
+          </a:xfrm>
+          <a:prstGeom prst="rect">
+            <a:avLst/>
+          </a:prstGeom>
+          <a:noFill/>
+          <a:extLst>
+            <a:ext uri="{909E8E84-426E-40DD-AFC4-6F175D3DCCD1}">
+              <a14:hiddenFill xmlns:a14="http://schemas.microsoft.com/office/drawing/2010/main">
+                <a:solidFill>
+                  <a:srgbClr val="FFFFFF"/>
+                </a:solidFill>
+              </a14:hiddenFill>
+            </a:ext>
+          </a:extLst>
         </p:spPr>
       </p:pic>
     </p:spTree>
@@ -4426,10 +4566,15 @@
           <a:bodyPr/>
           <a:lstStyle/>
           <a:p>
+            <a:pPr algn="ctr"/>
             <a:r>
               <a:rPr lang="en-US" dirty="0"/>
-              <a:t>challenge</a:t>
-            </a:r>
+              <a:t>Challenge</a:t>
+            </a:r>
+            <a:br>
+              <a:rPr lang="en-US" dirty="0"/>
+            </a:br>
+            <a:endParaRPr lang="en-US" dirty="0"/>
           </a:p>
         </p:txBody>
       </p:sp>
@@ -4743,7 +4888,7 @@
           <p:cNvPr id="2" name="Title 1">
             <a:extLst>
               <a:ext uri="{FF2B5EF4-FFF2-40B4-BE49-F238E27FC236}">
-                <a16:creationId xmlns:a16="http://schemas.microsoft.com/office/drawing/2014/main" id="{B9BB8133-7085-4182-BC02-565D2F2030B0}"/>
+                <a16:creationId xmlns:a16="http://schemas.microsoft.com/office/drawing/2014/main" id="{F0F72E07-2521-4A4B-9EB6-1A9DAABE0B5A}"/>
               </a:ext>
             </a:extLst>
           </p:cNvPr>
@@ -4754,24 +4899,34 @@
             <p:ph type="title"/>
           </p:nvPr>
         </p:nvSpPr>
-        <p:spPr/>
+        <p:spPr>
+          <a:xfrm>
+            <a:off x="581192" y="1103473"/>
+            <a:ext cx="11029616" cy="1188720"/>
+          </a:xfrm>
+        </p:spPr>
         <p:txBody>
           <a:bodyPr/>
           <a:lstStyle/>
           <a:p>
+            <a:pPr algn="ctr"/>
             <a:r>
               <a:rPr lang="en-US" dirty="0"/>
-              <a:t>Solution</a:t>
-            </a:r>
+              <a:t>Mission statement</a:t>
+            </a:r>
+            <a:br>
+              <a:rPr lang="en-US" dirty="0"/>
+            </a:br>
+            <a:endParaRPr lang="en-US" dirty="0"/>
           </a:p>
         </p:txBody>
       </p:sp>
       <p:pic>
         <p:nvPicPr>
-          <p:cNvPr id="2050" name="Picture 2" descr="Image result for summary icon black transparent background">
+          <p:cNvPr id="4098" name="Picture 2" descr="Image result for blind man with computer">
             <a:extLst>
               <a:ext uri="{FF2B5EF4-FFF2-40B4-BE49-F238E27FC236}">
-                <a16:creationId xmlns:a16="http://schemas.microsoft.com/office/drawing/2014/main" id="{398F2163-0AF1-4CF9-80C3-4AC942A91692}"/>
+                <a16:creationId xmlns:a16="http://schemas.microsoft.com/office/drawing/2014/main" id="{C2296B81-AA23-4363-A02B-28D444E6D875}"/>
               </a:ext>
             </a:extLst>
           </p:cNvPr>
@@ -4795,8 +4950,8 @@
         </p:blipFill>
         <p:spPr bwMode="auto">
           <a:xfrm>
-            <a:off x="581192" y="2459558"/>
-            <a:ext cx="1961983" cy="1921942"/>
+            <a:off x="1550505" y="4851902"/>
+            <a:ext cx="1298779" cy="1376229"/>
           </a:xfrm>
           <a:prstGeom prst="rect">
             <a:avLst/>
@@ -4815,10 +4970,10 @@
       </p:pic>
       <p:pic>
         <p:nvPicPr>
-          <p:cNvPr id="2052" name="Picture 4" descr="Image result for text to speech icon black transparent background">
+          <p:cNvPr id="4100" name="Picture 4" descr="Image result for man with computer">
             <a:extLst>
               <a:ext uri="{FF2B5EF4-FFF2-40B4-BE49-F238E27FC236}">
-                <a16:creationId xmlns:a16="http://schemas.microsoft.com/office/drawing/2014/main" id="{FF014D2A-70DC-43A1-8131-25317A81E773}"/>
+                <a16:creationId xmlns:a16="http://schemas.microsoft.com/office/drawing/2014/main" id="{500F5DB5-5ADF-46B5-BE5E-DCEE07102003}"/>
               </a:ext>
             </a:extLst>
           </p:cNvPr>
@@ -4842,8 +4997,8 @@
         </p:blipFill>
         <p:spPr bwMode="auto">
           <a:xfrm>
-            <a:off x="3334370" y="2381250"/>
-            <a:ext cx="2413592" cy="2009776"/>
+            <a:off x="9949379" y="1603206"/>
+            <a:ext cx="1259847" cy="1188946"/>
           </a:xfrm>
           <a:prstGeom prst="rect">
             <a:avLst/>
@@ -4862,244 +5017,10 @@
       </p:pic>
       <p:pic>
         <p:nvPicPr>
-          <p:cNvPr id="2054" name="Picture 6" descr="Image result for search black icon transparent background">
+          <p:cNvPr id="6" name="Picture 5">
             <a:extLst>
               <a:ext uri="{FF2B5EF4-FFF2-40B4-BE49-F238E27FC236}">
-                <a16:creationId xmlns:a16="http://schemas.microsoft.com/office/drawing/2014/main" id="{8357994A-70F9-407E-81D3-C05A1E21396D}"/>
-              </a:ext>
-            </a:extLst>
-          </p:cNvPr>
-          <p:cNvPicPr>
-            <a:picLocks noChangeAspect="1" noChangeArrowheads="1"/>
-          </p:cNvPicPr>
-          <p:nvPr/>
-        </p:nvPicPr>
-        <p:blipFill>
-          <a:blip r:embed="rId4">
-            <a:extLst>
-              <a:ext uri="{28A0092B-C50C-407E-A947-70E740481C1C}">
-                <a14:useLocalDpi xmlns:a14="http://schemas.microsoft.com/office/drawing/2010/main" val="0"/>
-              </a:ext>
-            </a:extLst>
-          </a:blip>
-          <a:srcRect/>
-          <a:stretch>
-            <a:fillRect/>
-          </a:stretch>
-        </p:blipFill>
-        <p:spPr bwMode="auto">
-          <a:xfrm>
-            <a:off x="9958517" y="2227556"/>
-            <a:ext cx="2025128" cy="2009776"/>
-          </a:xfrm>
-          <a:prstGeom prst="rect">
-            <a:avLst/>
-          </a:prstGeom>
-          <a:noFill/>
-          <a:extLst>
-            <a:ext uri="{909E8E84-426E-40DD-AFC4-6F175D3DCCD1}">
-              <a14:hiddenFill xmlns:a14="http://schemas.microsoft.com/office/drawing/2010/main">
-                <a:solidFill>
-                  <a:srgbClr val="FFFFFF"/>
-                </a:solidFill>
-              </a14:hiddenFill>
-            </a:ext>
-          </a:extLst>
-        </p:spPr>
-      </p:pic>
-      <p:pic>
-        <p:nvPicPr>
-          <p:cNvPr id="2056" name="Picture 8" descr="Image result for image icon transparent background">
-            <a:extLst>
-              <a:ext uri="{FF2B5EF4-FFF2-40B4-BE49-F238E27FC236}">
-                <a16:creationId xmlns:a16="http://schemas.microsoft.com/office/drawing/2014/main" id="{AF47B8DA-A8FC-49A9-9091-14498293B387}"/>
-              </a:ext>
-            </a:extLst>
-          </p:cNvPr>
-          <p:cNvPicPr>
-            <a:picLocks noChangeAspect="1" noChangeArrowheads="1"/>
-          </p:cNvPicPr>
-          <p:nvPr/>
-        </p:nvPicPr>
-        <p:blipFill>
-          <a:blip r:embed="rId5">
-            <a:extLst>
-              <a:ext uri="{28A0092B-C50C-407E-A947-70E740481C1C}">
-                <a14:useLocalDpi xmlns:a14="http://schemas.microsoft.com/office/drawing/2010/main" val="0"/>
-              </a:ext>
-            </a:extLst>
-          </a:blip>
-          <a:srcRect/>
-          <a:stretch>
-            <a:fillRect/>
-          </a:stretch>
-        </p:blipFill>
-        <p:spPr bwMode="auto">
-          <a:xfrm>
-            <a:off x="6695757" y="1970382"/>
-            <a:ext cx="2420643" cy="2420643"/>
-          </a:xfrm>
-          <a:prstGeom prst="rect">
-            <a:avLst/>
-          </a:prstGeom>
-          <a:noFill/>
-          <a:extLst>
-            <a:ext uri="{909E8E84-426E-40DD-AFC4-6F175D3DCCD1}">
-              <a14:hiddenFill xmlns:a14="http://schemas.microsoft.com/office/drawing/2010/main">
-                <a:solidFill>
-                  <a:srgbClr val="FFFFFF"/>
-                </a:solidFill>
-              </a14:hiddenFill>
-            </a:ext>
-          </a:extLst>
-        </p:spPr>
-      </p:pic>
-      <p:sp>
-        <p:nvSpPr>
-          <p:cNvPr id="8" name="TextBox 7">
-            <a:extLst>
-              <a:ext uri="{FF2B5EF4-FFF2-40B4-BE49-F238E27FC236}">
-                <a16:creationId xmlns:a16="http://schemas.microsoft.com/office/drawing/2014/main" id="{68D226A3-4BB0-4A6D-B1CB-518D491EB4E9}"/>
-              </a:ext>
-            </a:extLst>
-          </p:cNvPr>
-          <p:cNvSpPr txBox="1"/>
-          <p:nvPr/>
-        </p:nvSpPr>
-        <p:spPr>
-          <a:xfrm>
-            <a:off x="10320885" y="4782459"/>
-            <a:ext cx="1734770" cy="369332"/>
-          </a:xfrm>
-          <a:prstGeom prst="rect">
-            <a:avLst/>
-          </a:prstGeom>
-          <a:noFill/>
-        </p:spPr>
-        <p:txBody>
-          <a:bodyPr wrap="none" rtlCol="0">
-            <a:spAutoFit/>
-          </a:bodyPr>
-          <a:lstStyle/>
-          <a:p>
-            <a:r>
-              <a:rPr lang="en-US" dirty="0"/>
-              <a:t>Object Identifier</a:t>
-            </a:r>
-          </a:p>
-        </p:txBody>
-      </p:sp>
-      <p:sp>
-        <p:nvSpPr>
-          <p:cNvPr id="9" name="TextBox 8">
-            <a:extLst>
-              <a:ext uri="{FF2B5EF4-FFF2-40B4-BE49-F238E27FC236}">
-                <a16:creationId xmlns:a16="http://schemas.microsoft.com/office/drawing/2014/main" id="{1A0EED17-F01D-4B1F-98FB-F0562616F757}"/>
-              </a:ext>
-            </a:extLst>
-          </p:cNvPr>
-          <p:cNvSpPr txBox="1"/>
-          <p:nvPr/>
-        </p:nvSpPr>
-        <p:spPr>
-          <a:xfrm>
-            <a:off x="7180131" y="4782459"/>
-            <a:ext cx="1723549" cy="369332"/>
-          </a:xfrm>
-          <a:prstGeom prst="rect">
-            <a:avLst/>
-          </a:prstGeom>
-          <a:noFill/>
-        </p:spPr>
-        <p:txBody>
-          <a:bodyPr wrap="none" rtlCol="0">
-            <a:spAutoFit/>
-          </a:bodyPr>
-          <a:lstStyle/>
-          <a:p>
-            <a:r>
-              <a:rPr lang="en-US" dirty="0"/>
-              <a:t>Image Describer</a:t>
-            </a:r>
-          </a:p>
-        </p:txBody>
-      </p:sp>
-      <p:sp>
-        <p:nvSpPr>
-          <p:cNvPr id="10" name="TextBox 9">
-            <a:extLst>
-              <a:ext uri="{FF2B5EF4-FFF2-40B4-BE49-F238E27FC236}">
-                <a16:creationId xmlns:a16="http://schemas.microsoft.com/office/drawing/2014/main" id="{33D522EF-60FD-4F45-BC6B-AA63F5BF3E48}"/>
-              </a:ext>
-            </a:extLst>
-          </p:cNvPr>
-          <p:cNvSpPr txBox="1"/>
-          <p:nvPr/>
-        </p:nvSpPr>
-        <p:spPr>
-          <a:xfrm>
-            <a:off x="4034017" y="4782459"/>
-            <a:ext cx="1583126" cy="369332"/>
-          </a:xfrm>
-          <a:prstGeom prst="rect">
-            <a:avLst/>
-          </a:prstGeom>
-          <a:noFill/>
-        </p:spPr>
-        <p:txBody>
-          <a:bodyPr wrap="none" rtlCol="0">
-            <a:spAutoFit/>
-          </a:bodyPr>
-          <a:lstStyle/>
-          <a:p>
-            <a:r>
-              <a:rPr lang="en-US" dirty="0"/>
-              <a:t>Text to Speech</a:t>
-            </a:r>
-          </a:p>
-        </p:txBody>
-      </p:sp>
-      <p:sp>
-        <p:nvSpPr>
-          <p:cNvPr id="11" name="TextBox 10">
-            <a:extLst>
-              <a:ext uri="{FF2B5EF4-FFF2-40B4-BE49-F238E27FC236}">
-                <a16:creationId xmlns:a16="http://schemas.microsoft.com/office/drawing/2014/main" id="{4411458D-BF1F-414E-9786-6DBF4DFCB246}"/>
-              </a:ext>
-            </a:extLst>
-          </p:cNvPr>
-          <p:cNvSpPr txBox="1"/>
-          <p:nvPr/>
-        </p:nvSpPr>
-        <p:spPr>
-          <a:xfrm>
-            <a:off x="831414" y="4782459"/>
-            <a:ext cx="1530675" cy="369332"/>
-          </a:xfrm>
-          <a:prstGeom prst="rect">
-            <a:avLst/>
-          </a:prstGeom>
-          <a:noFill/>
-        </p:spPr>
-        <p:txBody>
-          <a:bodyPr wrap="none" rtlCol="0">
-            <a:spAutoFit/>
-          </a:bodyPr>
-          <a:lstStyle/>
-          <a:p>
-            <a:r>
-              <a:rPr lang="en-US" dirty="0"/>
-              <a:t>Text Summary</a:t>
-            </a:r>
-          </a:p>
-        </p:txBody>
-      </p:sp>
-      <p:pic>
-        <p:nvPicPr>
-          <p:cNvPr id="14" name="Picture 13">
-            <a:extLst>
-              <a:ext uri="{FF2B5EF4-FFF2-40B4-BE49-F238E27FC236}">
-                <a16:creationId xmlns:a16="http://schemas.microsoft.com/office/drawing/2014/main" id="{3EEEC0DF-9B27-479A-BAD3-78A3DA15A142}"/>
+                <a16:creationId xmlns:a16="http://schemas.microsoft.com/office/drawing/2014/main" id="{6DD6CDFF-4179-407C-8E10-0AF20D5597CC}"/>
               </a:ext>
             </a:extLst>
           </p:cNvPr>
@@ -5109,7 +5030,7 @@
           <p:nvPr/>
         </p:nvPicPr>
         <p:blipFill rotWithShape="1">
-          <a:blip r:embed="rId6"/>
+          <a:blip r:embed="rId4"/>
           <a:srcRect l="13750" t="15337" r="13476" b="29025"/>
           <a:stretch/>
         </p:blipFill>
@@ -5123,10 +5044,46 @@
           </a:prstGeom>
         </p:spPr>
       </p:pic>
+      <p:sp>
+        <p:nvSpPr>
+          <p:cNvPr id="4" name="TextBox 3">
+            <a:extLst>
+              <a:ext uri="{FF2B5EF4-FFF2-40B4-BE49-F238E27FC236}">
+                <a16:creationId xmlns:a16="http://schemas.microsoft.com/office/drawing/2014/main" id="{B48E57C3-8F12-4BA3-9B26-3FE0443765EA}"/>
+              </a:ext>
+            </a:extLst>
+          </p:cNvPr>
+          <p:cNvSpPr txBox="1"/>
+          <p:nvPr/>
+        </p:nvSpPr>
+        <p:spPr>
+          <a:xfrm>
+            <a:off x="815716" y="2912910"/>
+            <a:ext cx="11029616" cy="1938992"/>
+          </a:xfrm>
+          <a:prstGeom prst="rect">
+            <a:avLst/>
+          </a:prstGeom>
+          <a:noFill/>
+        </p:spPr>
+        <p:txBody>
+          <a:bodyPr wrap="square" rtlCol="0">
+            <a:spAutoFit/>
+          </a:bodyPr>
+          <a:lstStyle/>
+          <a:p>
+            <a:pPr algn="ctr"/>
+            <a:r>
+              <a:rPr lang="en-US" sz="4000" i="1" dirty="0"/>
+              <a:t>“We enable the visually impaired browse the internet with ease, as we believe in fair and equal access to information”</a:t>
+            </a:r>
+          </a:p>
+        </p:txBody>
+      </p:sp>
     </p:spTree>
     <p:extLst>
       <p:ext uri="{BB962C8B-B14F-4D97-AF65-F5344CB8AC3E}">
-        <p14:creationId xmlns:p14="http://schemas.microsoft.com/office/powerpoint/2010/main" val="1730729883"/>
+        <p14:creationId xmlns:p14="http://schemas.microsoft.com/office/powerpoint/2010/main" val="2250669082"/>
       </p:ext>
     </p:extLst>
   </p:cSld>
@@ -5158,7 +5115,7 @@
           <p:cNvPr id="2" name="Title 1">
             <a:extLst>
               <a:ext uri="{FF2B5EF4-FFF2-40B4-BE49-F238E27FC236}">
-                <a16:creationId xmlns:a16="http://schemas.microsoft.com/office/drawing/2014/main" id="{5C9DB527-6A97-4121-B5BF-C961D9AD7F94}"/>
+                <a16:creationId xmlns:a16="http://schemas.microsoft.com/office/drawing/2014/main" id="{B9BB8133-7085-4182-BC02-565D2F2030B0}"/>
               </a:ext>
             </a:extLst>
           </p:cNvPr>
@@ -5174,19 +5131,24 @@
           <a:bodyPr/>
           <a:lstStyle/>
           <a:p>
+            <a:pPr algn="ctr"/>
             <a:r>
               <a:rPr lang="en-US" dirty="0"/>
-              <a:t>Implementation</a:t>
-            </a:r>
+              <a:t>Solution</a:t>
+            </a:r>
+            <a:br>
+              <a:rPr lang="en-US" dirty="0"/>
+            </a:br>
+            <a:endParaRPr lang="en-US" dirty="0"/>
           </a:p>
         </p:txBody>
       </p:sp>
       <p:pic>
         <p:nvPicPr>
-          <p:cNvPr id="3074" name="Picture 2" descr="Image result for android icon black transparent background">
+          <p:cNvPr id="2050" name="Picture 2" descr="Image result for summary icon black transparent background">
             <a:extLst>
               <a:ext uri="{FF2B5EF4-FFF2-40B4-BE49-F238E27FC236}">
-                <a16:creationId xmlns:a16="http://schemas.microsoft.com/office/drawing/2014/main" id="{0DB38D07-194F-438C-A5A1-2BBBDF3A65C4}"/>
+                <a16:creationId xmlns:a16="http://schemas.microsoft.com/office/drawing/2014/main" id="{398F2163-0AF1-4CF9-80C3-4AC942A91692}"/>
               </a:ext>
             </a:extLst>
           </p:cNvPr>
@@ -5210,8 +5172,8 @@
         </p:blipFill>
         <p:spPr bwMode="auto">
           <a:xfrm>
-            <a:off x="8808354" y="1979985"/>
-            <a:ext cx="3057525" cy="3057525"/>
+            <a:off x="581192" y="2459558"/>
+            <a:ext cx="1961983" cy="1921942"/>
           </a:xfrm>
           <a:prstGeom prst="rect">
             <a:avLst/>
@@ -5230,10 +5192,10 @@
       </p:pic>
       <p:pic>
         <p:nvPicPr>
-          <p:cNvPr id="3076" name="Picture 4" descr="Image result for react native icon black transparent background">
+          <p:cNvPr id="2052" name="Picture 4" descr="Image result for text to speech icon black transparent background">
             <a:extLst>
               <a:ext uri="{FF2B5EF4-FFF2-40B4-BE49-F238E27FC236}">
-                <a16:creationId xmlns:a16="http://schemas.microsoft.com/office/drawing/2014/main" id="{48B429B0-DB75-4B7B-8C3F-CD2BC7D4BD8D}"/>
+                <a16:creationId xmlns:a16="http://schemas.microsoft.com/office/drawing/2014/main" id="{FF014D2A-70DC-43A1-8131-25317A81E773}"/>
               </a:ext>
             </a:extLst>
           </p:cNvPr>
@@ -5257,8 +5219,8 @@
         </p:blipFill>
         <p:spPr bwMode="auto">
           <a:xfrm>
-            <a:off x="3066627" y="2201699"/>
-            <a:ext cx="2835811" cy="2835811"/>
+            <a:off x="3334370" y="2381250"/>
+            <a:ext cx="2413592" cy="2009776"/>
           </a:xfrm>
           <a:prstGeom prst="rect">
             <a:avLst/>
@@ -5277,10 +5239,10 @@
       </p:pic>
       <p:pic>
         <p:nvPicPr>
-          <p:cNvPr id="3078" name="Picture 6" descr="Image result for nodejs native icon black transparent background">
+          <p:cNvPr id="2054" name="Picture 6" descr="Image result for search black icon transparent background">
             <a:extLst>
               <a:ext uri="{FF2B5EF4-FFF2-40B4-BE49-F238E27FC236}">
-                <a16:creationId xmlns:a16="http://schemas.microsoft.com/office/drawing/2014/main" id="{28013F8C-440F-49A8-A453-4265E6878344}"/>
+                <a16:creationId xmlns:a16="http://schemas.microsoft.com/office/drawing/2014/main" id="{8357994A-70F9-407E-81D3-C05A1E21396D}"/>
               </a:ext>
             </a:extLst>
           </p:cNvPr>
@@ -5304,8 +5266,8 @@
         </p:blipFill>
         <p:spPr bwMode="auto">
           <a:xfrm>
-            <a:off x="326121" y="2333625"/>
-            <a:ext cx="2445802" cy="2445802"/>
+            <a:off x="9958517" y="2227556"/>
+            <a:ext cx="2025128" cy="2009776"/>
           </a:xfrm>
           <a:prstGeom prst="rect">
             <a:avLst/>
@@ -5324,10 +5286,10 @@
       </p:pic>
       <p:pic>
         <p:nvPicPr>
-          <p:cNvPr id="3082" name="Picture 10" descr="Image result for firebase black icon transparent background">
+          <p:cNvPr id="2056" name="Picture 8" descr="Image result for image icon transparent background">
             <a:extLst>
               <a:ext uri="{FF2B5EF4-FFF2-40B4-BE49-F238E27FC236}">
-                <a16:creationId xmlns:a16="http://schemas.microsoft.com/office/drawing/2014/main" id="{B5D20570-4790-47B5-8618-1D2EFDD1081B}"/>
+                <a16:creationId xmlns:a16="http://schemas.microsoft.com/office/drawing/2014/main" id="{AF47B8DA-A8FC-49A9-9091-14498293B387}"/>
               </a:ext>
             </a:extLst>
           </p:cNvPr>
@@ -5351,8 +5313,8 @@
         </p:blipFill>
         <p:spPr bwMode="auto">
           <a:xfrm>
-            <a:off x="6718832" y="2285846"/>
-            <a:ext cx="1914526" cy="2445802"/>
+            <a:off x="6695757" y="1970382"/>
+            <a:ext cx="2420643" cy="2420643"/>
           </a:xfrm>
           <a:prstGeom prst="rect">
             <a:avLst/>
@@ -5371,10 +5333,10 @@
       </p:pic>
       <p:sp>
         <p:nvSpPr>
-          <p:cNvPr id="11" name="TextBox 10">
+          <p:cNvPr id="8" name="TextBox 7">
             <a:extLst>
               <a:ext uri="{FF2B5EF4-FFF2-40B4-BE49-F238E27FC236}">
-                <a16:creationId xmlns:a16="http://schemas.microsoft.com/office/drawing/2014/main" id="{60808200-6851-44B9-9E23-62215353DB1A}"/>
+                <a16:creationId xmlns:a16="http://schemas.microsoft.com/office/drawing/2014/main" id="{68D226A3-4BB0-4A6D-B1CB-518D491EB4E9}"/>
               </a:ext>
             </a:extLst>
           </p:cNvPr>
@@ -5383,8 +5345,8 @@
         </p:nvSpPr>
         <p:spPr>
           <a:xfrm>
-            <a:off x="646341" y="5037510"/>
-            <a:ext cx="881973" cy="369332"/>
+            <a:off x="10320885" y="4782459"/>
+            <a:ext cx="1734770" cy="369332"/>
           </a:xfrm>
           <a:prstGeom prst="rect">
             <a:avLst/>
@@ -5399,17 +5361,17 @@
           <a:p>
             <a:r>
               <a:rPr lang="en-US" dirty="0"/>
-              <a:t>NodeJS</a:t>
-            </a:r>
-          </a:p>
-        </p:txBody>
-      </p:sp>
-      <p:sp>
-        <p:nvSpPr>
-          <p:cNvPr id="12" name="TextBox 11">
+              <a:t>Object Identifier</a:t>
+            </a:r>
+          </a:p>
+        </p:txBody>
+      </p:sp>
+      <p:sp>
+        <p:nvSpPr>
+          <p:cNvPr id="9" name="TextBox 8">
             <a:extLst>
               <a:ext uri="{FF2B5EF4-FFF2-40B4-BE49-F238E27FC236}">
-                <a16:creationId xmlns:a16="http://schemas.microsoft.com/office/drawing/2014/main" id="{0D6B0ECA-5480-43A5-A602-3460EE18D2A6}"/>
+                <a16:creationId xmlns:a16="http://schemas.microsoft.com/office/drawing/2014/main" id="{1A0EED17-F01D-4B1F-98FB-F0562616F757}"/>
               </a:ext>
             </a:extLst>
           </p:cNvPr>
@@ -5418,8 +5380,8 @@
         </p:nvSpPr>
         <p:spPr>
           <a:xfrm>
-            <a:off x="3704735" y="5037510"/>
-            <a:ext cx="1387111" cy="369332"/>
+            <a:off x="7180131" y="4782459"/>
+            <a:ext cx="1723549" cy="369332"/>
           </a:xfrm>
           <a:prstGeom prst="rect">
             <a:avLst/>
@@ -5434,17 +5396,17 @@
           <a:p>
             <a:r>
               <a:rPr lang="en-US" dirty="0"/>
-              <a:t>React Native</a:t>
-            </a:r>
-          </a:p>
-        </p:txBody>
-      </p:sp>
-      <p:sp>
-        <p:nvSpPr>
-          <p:cNvPr id="13" name="TextBox 12">
+              <a:t>Image Describer</a:t>
+            </a:r>
+          </a:p>
+        </p:txBody>
+      </p:sp>
+      <p:sp>
+        <p:nvSpPr>
+          <p:cNvPr id="10" name="TextBox 9">
             <a:extLst>
               <a:ext uri="{FF2B5EF4-FFF2-40B4-BE49-F238E27FC236}">
-                <a16:creationId xmlns:a16="http://schemas.microsoft.com/office/drawing/2014/main" id="{BFBACAAC-A73C-4180-A4B8-3679FA3FFDFD}"/>
+                <a16:creationId xmlns:a16="http://schemas.microsoft.com/office/drawing/2014/main" id="{33D522EF-60FD-4F45-BC6B-AA63F5BF3E48}"/>
               </a:ext>
             </a:extLst>
           </p:cNvPr>
@@ -5453,8 +5415,8 @@
         </p:nvSpPr>
         <p:spPr>
           <a:xfrm>
-            <a:off x="6765489" y="5037510"/>
-            <a:ext cx="954300" cy="369332"/>
+            <a:off x="4034017" y="4782459"/>
+            <a:ext cx="1583126" cy="369332"/>
           </a:xfrm>
           <a:prstGeom prst="rect">
             <a:avLst/>
@@ -5469,17 +5431,17 @@
           <a:p>
             <a:r>
               <a:rPr lang="en-US" dirty="0"/>
-              <a:t>Firebase</a:t>
-            </a:r>
-          </a:p>
-        </p:txBody>
-      </p:sp>
-      <p:sp>
-        <p:nvSpPr>
-          <p:cNvPr id="14" name="TextBox 13">
+              <a:t>Text to Speech</a:t>
+            </a:r>
+          </a:p>
+        </p:txBody>
+      </p:sp>
+      <p:sp>
+        <p:nvSpPr>
+          <p:cNvPr id="11" name="TextBox 10">
             <a:extLst>
               <a:ext uri="{FF2B5EF4-FFF2-40B4-BE49-F238E27FC236}">
-                <a16:creationId xmlns:a16="http://schemas.microsoft.com/office/drawing/2014/main" id="{A90B669D-B1A0-48FF-BBDE-D4FC5DDA64F9}"/>
+                <a16:creationId xmlns:a16="http://schemas.microsoft.com/office/drawing/2014/main" id="{4411458D-BF1F-414E-9786-6DBF4DFCB246}"/>
               </a:ext>
             </a:extLst>
           </p:cNvPr>
@@ -5488,8 +5450,8 @@
         </p:nvSpPr>
         <p:spPr>
           <a:xfrm>
-            <a:off x="9669299" y="5037510"/>
-            <a:ext cx="1377300" cy="369332"/>
+            <a:off x="831414" y="4782459"/>
+            <a:ext cx="1530675" cy="369332"/>
           </a:xfrm>
           <a:prstGeom prst="rect">
             <a:avLst/>
@@ -5504,17 +5466,17 @@
           <a:p>
             <a:r>
               <a:rPr lang="en-US" dirty="0"/>
-              <a:t>Android App</a:t>
+              <a:t>Text Summary</a:t>
             </a:r>
           </a:p>
         </p:txBody>
       </p:sp>
       <p:pic>
         <p:nvPicPr>
-          <p:cNvPr id="15" name="Picture 14">
+          <p:cNvPr id="14" name="Picture 13">
             <a:extLst>
               <a:ext uri="{FF2B5EF4-FFF2-40B4-BE49-F238E27FC236}">
-                <a16:creationId xmlns:a16="http://schemas.microsoft.com/office/drawing/2014/main" id="{B411AB9D-6CC8-4502-8DA9-2BB578789EE0}"/>
+                <a16:creationId xmlns:a16="http://schemas.microsoft.com/office/drawing/2014/main" id="{3EEEC0DF-9B27-479A-BAD3-78A3DA15A142}"/>
               </a:ext>
             </a:extLst>
           </p:cNvPr>
@@ -5541,7 +5503,2079 @@
     </p:spTree>
     <p:extLst>
       <p:ext uri="{BB962C8B-B14F-4D97-AF65-F5344CB8AC3E}">
-        <p14:creationId xmlns:p14="http://schemas.microsoft.com/office/powerpoint/2010/main" val="3180489317"/>
+        <p14:creationId xmlns:p14="http://schemas.microsoft.com/office/powerpoint/2010/main" val="1730729883"/>
+      </p:ext>
+    </p:extLst>
+  </p:cSld>
+  <p:clrMapOvr>
+    <a:masterClrMapping/>
+  </p:clrMapOvr>
+</p:sld>
+</file>
+
+<file path=ppt/slides/slide6.xml><?xml version="1.0" encoding="utf-8"?>
+<p:sld xmlns:a="http://schemas.openxmlformats.org/drawingml/2006/main" xmlns:r="http://schemas.openxmlformats.org/officeDocument/2006/relationships" xmlns:p="http://schemas.openxmlformats.org/presentationml/2006/main">
+  <p:cSld>
+    <p:spTree>
+      <p:nvGrpSpPr>
+        <p:cNvPr id="1" name=""/>
+        <p:cNvGrpSpPr/>
+        <p:nvPr/>
+      </p:nvGrpSpPr>
+      <p:grpSpPr>
+        <a:xfrm>
+          <a:off x="0" y="0"/>
+          <a:ext cx="0" cy="0"/>
+          <a:chOff x="0" y="0"/>
+          <a:chExt cx="0" cy="0"/>
+        </a:xfrm>
+      </p:grpSpPr>
+      <p:pic>
+        <p:nvPicPr>
+          <p:cNvPr id="6146" name="Picture 2" descr="Image result for react logo">
+            <a:extLst>
+              <a:ext uri="{FF2B5EF4-FFF2-40B4-BE49-F238E27FC236}">
+                <a16:creationId xmlns:a16="http://schemas.microsoft.com/office/drawing/2014/main" id="{2CB8E4C0-738E-4782-A1DF-4FB81CB519C5}"/>
+              </a:ext>
+            </a:extLst>
+          </p:cNvPr>
+          <p:cNvPicPr>
+            <a:picLocks noChangeAspect="1" noChangeArrowheads="1"/>
+          </p:cNvPicPr>
+          <p:nvPr/>
+        </p:nvPicPr>
+        <p:blipFill>
+          <a:blip r:embed="rId2">
+            <a:extLst>
+              <a:ext uri="{28A0092B-C50C-407E-A947-70E740481C1C}">
+                <a14:useLocalDpi xmlns:a14="http://schemas.microsoft.com/office/drawing/2010/main" val="0"/>
+              </a:ext>
+            </a:extLst>
+          </a:blip>
+          <a:srcRect/>
+          <a:stretch>
+            <a:fillRect/>
+          </a:stretch>
+        </p:blipFill>
+        <p:spPr bwMode="auto">
+          <a:xfrm>
+            <a:off x="9388170" y="5059646"/>
+            <a:ext cx="1944717" cy="1020976"/>
+          </a:xfrm>
+          <a:prstGeom prst="rect">
+            <a:avLst/>
+          </a:prstGeom>
+          <a:noFill/>
+          <a:extLst>
+            <a:ext uri="{909E8E84-426E-40DD-AFC4-6F175D3DCCD1}">
+              <a14:hiddenFill xmlns:a14="http://schemas.microsoft.com/office/drawing/2010/main">
+                <a:solidFill>
+                  <a:srgbClr val="FFFFFF"/>
+                </a:solidFill>
+              </a14:hiddenFill>
+            </a:ext>
+          </a:extLst>
+        </p:spPr>
+      </p:pic>
+      <p:sp>
+        <p:nvSpPr>
+          <p:cNvPr id="2" name="Title 1">
+            <a:extLst>
+              <a:ext uri="{FF2B5EF4-FFF2-40B4-BE49-F238E27FC236}">
+                <a16:creationId xmlns:a16="http://schemas.microsoft.com/office/drawing/2014/main" id="{1873775A-A404-46A2-81F2-4D8682007B5D}"/>
+              </a:ext>
+            </a:extLst>
+          </p:cNvPr>
+          <p:cNvSpPr>
+            <a:spLocks noGrp="1"/>
+          </p:cNvSpPr>
+          <p:nvPr>
+            <p:ph type="title"/>
+          </p:nvPr>
+        </p:nvSpPr>
+        <p:spPr>
+          <a:xfrm>
+            <a:off x="581192" y="454270"/>
+            <a:ext cx="11029616" cy="1188720"/>
+          </a:xfrm>
+        </p:spPr>
+        <p:txBody>
+          <a:bodyPr/>
+          <a:lstStyle/>
+          <a:p>
+            <a:pPr algn="ctr"/>
+            <a:r>
+              <a:rPr lang="en-US" dirty="0"/>
+              <a:t>Architecture</a:t>
+            </a:r>
+            <a:br>
+              <a:rPr lang="en-US" dirty="0"/>
+            </a:br>
+            <a:endParaRPr lang="en-US" dirty="0"/>
+          </a:p>
+        </p:txBody>
+      </p:sp>
+      <p:pic>
+        <p:nvPicPr>
+          <p:cNvPr id="33" name="Picture 32">
+            <a:extLst>
+              <a:ext uri="{FF2B5EF4-FFF2-40B4-BE49-F238E27FC236}">
+                <a16:creationId xmlns:a16="http://schemas.microsoft.com/office/drawing/2014/main" id="{026EB743-5C4A-4CA3-8A5D-AE148A5E71E5}"/>
+              </a:ext>
+            </a:extLst>
+          </p:cNvPr>
+          <p:cNvPicPr>
+            <a:picLocks noChangeAspect="1"/>
+          </p:cNvPicPr>
+          <p:nvPr/>
+        </p:nvPicPr>
+        <p:blipFill rotWithShape="1">
+          <a:blip r:embed="rId3"/>
+          <a:srcRect l="13750" t="15337" r="13476" b="29025"/>
+          <a:stretch/>
+        </p:blipFill>
+        <p:spPr>
+          <a:xfrm>
+            <a:off x="11345810" y="6155844"/>
+            <a:ext cx="846190" cy="685800"/>
+          </a:xfrm>
+          <a:prstGeom prst="rect">
+            <a:avLst/>
+          </a:prstGeom>
+        </p:spPr>
+      </p:pic>
+      <p:grpSp>
+        <p:nvGrpSpPr>
+          <p:cNvPr id="93" name="Group 92">
+            <a:extLst>
+              <a:ext uri="{FF2B5EF4-FFF2-40B4-BE49-F238E27FC236}">
+                <a16:creationId xmlns:a16="http://schemas.microsoft.com/office/drawing/2014/main" id="{BBFD7EE4-4B53-477F-824D-98E916328110}"/>
+              </a:ext>
+            </a:extLst>
+          </p:cNvPr>
+          <p:cNvGrpSpPr/>
+          <p:nvPr/>
+        </p:nvGrpSpPr>
+        <p:grpSpPr>
+          <a:xfrm>
+            <a:off x="226302" y="1793946"/>
+            <a:ext cx="11739396" cy="4194046"/>
+            <a:chOff x="239128" y="2211515"/>
+            <a:chExt cx="11739396" cy="4194046"/>
+          </a:xfrm>
+        </p:grpSpPr>
+        <p:cxnSp>
+          <p:nvCxnSpPr>
+            <p:cNvPr id="14" name="Straight Arrow Connector 13">
+              <a:extLst>
+                <a:ext uri="{FF2B5EF4-FFF2-40B4-BE49-F238E27FC236}">
+                  <a16:creationId xmlns:a16="http://schemas.microsoft.com/office/drawing/2014/main" id="{996248F6-0755-445D-A582-03CC7FE0323C}"/>
+                </a:ext>
+              </a:extLst>
+            </p:cNvPr>
+            <p:cNvCxnSpPr>
+              <a:cxnSpLocks/>
+              <a:endCxn id="31" idx="1"/>
+            </p:cNvCxnSpPr>
+            <p:nvPr/>
+          </p:nvCxnSpPr>
+          <p:spPr>
+            <a:xfrm>
+              <a:off x="7686424" y="4459254"/>
+              <a:ext cx="1056021" cy="0"/>
+            </a:xfrm>
+            <a:prstGeom prst="straightConnector1">
+              <a:avLst/>
+            </a:prstGeom>
+            <a:ln w="38100">
+              <a:tailEnd type="triangle"/>
+            </a:ln>
+          </p:spPr>
+          <p:style>
+            <a:lnRef idx="1">
+              <a:schemeClr val="dk1"/>
+            </a:lnRef>
+            <a:fillRef idx="0">
+              <a:schemeClr val="dk1"/>
+            </a:fillRef>
+            <a:effectRef idx="0">
+              <a:schemeClr val="dk1"/>
+            </a:effectRef>
+            <a:fontRef idx="minor">
+              <a:schemeClr val="tx1"/>
+            </a:fontRef>
+          </p:style>
+        </p:cxnSp>
+        <p:sp>
+          <p:nvSpPr>
+            <p:cNvPr id="4" name="Rectangle 3">
+              <a:extLst>
+                <a:ext uri="{FF2B5EF4-FFF2-40B4-BE49-F238E27FC236}">
+                  <a16:creationId xmlns:a16="http://schemas.microsoft.com/office/drawing/2014/main" id="{9B3F845D-E7EA-4024-9188-B13545313CCF}"/>
+                </a:ext>
+              </a:extLst>
+            </p:cNvPr>
+            <p:cNvSpPr/>
+            <p:nvPr/>
+          </p:nvSpPr>
+          <p:spPr>
+            <a:xfrm>
+              <a:off x="239128" y="3776501"/>
+              <a:ext cx="1085850" cy="1190625"/>
+            </a:xfrm>
+            <a:prstGeom prst="rect">
+              <a:avLst/>
+            </a:prstGeom>
+            <a:solidFill>
+              <a:schemeClr val="accent1">
+                <a:lumMod val="60000"/>
+                <a:lumOff val="40000"/>
+              </a:schemeClr>
+            </a:solidFill>
+            <a:ln w="38100">
+              <a:solidFill>
+                <a:schemeClr val="accent1">
+                  <a:lumMod val="50000"/>
+                </a:schemeClr>
+              </a:solidFill>
+            </a:ln>
+          </p:spPr>
+          <p:style>
+            <a:lnRef idx="2">
+              <a:schemeClr val="accent1">
+                <a:shade val="50000"/>
+              </a:schemeClr>
+            </a:lnRef>
+            <a:fillRef idx="1">
+              <a:schemeClr val="accent1"/>
+            </a:fillRef>
+            <a:effectRef idx="0">
+              <a:schemeClr val="accent1"/>
+            </a:effectRef>
+            <a:fontRef idx="minor">
+              <a:schemeClr val="lt1"/>
+            </a:fontRef>
+          </p:style>
+          <p:txBody>
+            <a:bodyPr rot="0" spcFirstLastPara="0" vertOverflow="overflow" horzOverflow="overflow" vert="horz" wrap="square" lIns="91440" tIns="45720" rIns="91440" bIns="45720" numCol="1" spcCol="0" rtlCol="0" fromWordArt="0" anchor="ctr" anchorCtr="0" forceAA="0" compatLnSpc="1">
+              <a:prstTxWarp prst="textNoShape">
+                <a:avLst/>
+              </a:prstTxWarp>
+              <a:noAutofit/>
+            </a:bodyPr>
+            <a:lstStyle/>
+            <a:p>
+              <a:pPr algn="ctr"/>
+              <a:r>
+                <a:rPr lang="en-US" dirty="0">
+                  <a:ln w="0"/>
+                  <a:solidFill>
+                    <a:schemeClr val="bg1"/>
+                  </a:solidFill>
+                  <a:effectLst>
+                    <a:outerShdw blurRad="38100" dist="19050" dir="2700000" algn="tl" rotWithShape="0">
+                      <a:schemeClr val="dk1">
+                        <a:alpha val="40000"/>
+                      </a:schemeClr>
+                    </a:outerShdw>
+                  </a:effectLst>
+                </a:rPr>
+                <a:t>Webpage</a:t>
+              </a:r>
+            </a:p>
+          </p:txBody>
+        </p:sp>
+        <p:cxnSp>
+          <p:nvCxnSpPr>
+            <p:cNvPr id="6" name="Straight Arrow Connector 5">
+              <a:extLst>
+                <a:ext uri="{FF2B5EF4-FFF2-40B4-BE49-F238E27FC236}">
+                  <a16:creationId xmlns:a16="http://schemas.microsoft.com/office/drawing/2014/main" id="{6ED2E2C6-F849-4DBC-B912-C4FEFEE0DB85}"/>
+                </a:ext>
+              </a:extLst>
+            </p:cNvPr>
+            <p:cNvCxnSpPr/>
+            <p:nvPr/>
+          </p:nvCxnSpPr>
+          <p:spPr>
+            <a:xfrm>
+              <a:off x="1324978" y="4376576"/>
+              <a:ext cx="971550" cy="0"/>
+            </a:xfrm>
+            <a:prstGeom prst="straightConnector1">
+              <a:avLst/>
+            </a:prstGeom>
+            <a:solidFill>
+              <a:schemeClr val="tx1">
+                <a:lumMod val="75000"/>
+                <a:lumOff val="25000"/>
+              </a:schemeClr>
+            </a:solidFill>
+            <a:ln w="38100">
+              <a:solidFill>
+                <a:schemeClr val="tx1"/>
+              </a:solidFill>
+              <a:tailEnd type="triangle"/>
+            </a:ln>
+          </p:spPr>
+          <p:style>
+            <a:lnRef idx="1">
+              <a:schemeClr val="accent1"/>
+            </a:lnRef>
+            <a:fillRef idx="0">
+              <a:schemeClr val="accent1"/>
+            </a:fillRef>
+            <a:effectRef idx="0">
+              <a:schemeClr val="accent1"/>
+            </a:effectRef>
+            <a:fontRef idx="minor">
+              <a:schemeClr val="tx1"/>
+            </a:fontRef>
+          </p:style>
+        </p:cxnSp>
+        <p:sp>
+          <p:nvSpPr>
+            <p:cNvPr id="8" name="Rectangle 7">
+              <a:extLst>
+                <a:ext uri="{FF2B5EF4-FFF2-40B4-BE49-F238E27FC236}">
+                  <a16:creationId xmlns:a16="http://schemas.microsoft.com/office/drawing/2014/main" id="{88D4B6D9-6945-4D2A-A2DA-31EAF5BC036B}"/>
+                </a:ext>
+              </a:extLst>
+            </p:cNvPr>
+            <p:cNvSpPr/>
+            <p:nvPr/>
+          </p:nvSpPr>
+          <p:spPr>
+            <a:xfrm>
+              <a:off x="2325103" y="3776500"/>
+              <a:ext cx="1085850" cy="1190625"/>
+            </a:xfrm>
+            <a:prstGeom prst="rect">
+              <a:avLst/>
+            </a:prstGeom>
+            <a:solidFill>
+              <a:srgbClr val="0070C0"/>
+            </a:solidFill>
+            <a:ln w="38100">
+              <a:solidFill>
+                <a:srgbClr val="002060"/>
+              </a:solidFill>
+            </a:ln>
+          </p:spPr>
+          <p:style>
+            <a:lnRef idx="2">
+              <a:schemeClr val="accent1">
+                <a:shade val="50000"/>
+              </a:schemeClr>
+            </a:lnRef>
+            <a:fillRef idx="1">
+              <a:schemeClr val="accent1"/>
+            </a:fillRef>
+            <a:effectRef idx="0">
+              <a:schemeClr val="accent1"/>
+            </a:effectRef>
+            <a:fontRef idx="minor">
+              <a:schemeClr val="lt1"/>
+            </a:fontRef>
+          </p:style>
+          <p:txBody>
+            <a:bodyPr rot="0" spcFirstLastPara="0" vertOverflow="overflow" horzOverflow="overflow" vert="horz" wrap="square" lIns="91440" tIns="45720" rIns="91440" bIns="45720" numCol="1" spcCol="0" rtlCol="0" fromWordArt="0" anchor="ctr" anchorCtr="0" forceAA="0" compatLnSpc="1">
+              <a:prstTxWarp prst="textNoShape">
+                <a:avLst/>
+              </a:prstTxWarp>
+              <a:noAutofit/>
+            </a:bodyPr>
+            <a:lstStyle/>
+            <a:p>
+              <a:pPr algn="ctr"/>
+              <a:r>
+                <a:rPr lang="en-US" dirty="0">
+                  <a:ln w="0"/>
+                  <a:solidFill>
+                    <a:schemeClr val="bg1"/>
+                  </a:solidFill>
+                  <a:effectLst>
+                    <a:outerShdw blurRad="38100" dist="19050" dir="2700000" algn="tl" rotWithShape="0">
+                      <a:schemeClr val="dk1">
+                        <a:alpha val="40000"/>
+                      </a:schemeClr>
+                    </a:outerShdw>
+                  </a:effectLst>
+                </a:rPr>
+                <a:t>Web</a:t>
+              </a:r>
+            </a:p>
+            <a:p>
+              <a:pPr algn="ctr"/>
+              <a:r>
+                <a:rPr lang="en-US" dirty="0">
+                  <a:ln w="0"/>
+                  <a:solidFill>
+                    <a:schemeClr val="bg1"/>
+                  </a:solidFill>
+                  <a:effectLst>
+                    <a:outerShdw blurRad="38100" dist="19050" dir="2700000" algn="tl" rotWithShape="0">
+                      <a:schemeClr val="dk1">
+                        <a:alpha val="40000"/>
+                      </a:schemeClr>
+                    </a:outerShdw>
+                  </a:effectLst>
+                </a:rPr>
+                <a:t>Scraper</a:t>
+              </a:r>
+            </a:p>
+          </p:txBody>
+        </p:sp>
+        <p:cxnSp>
+          <p:nvCxnSpPr>
+            <p:cNvPr id="15" name="Straight Arrow Connector 14">
+              <a:extLst>
+                <a:ext uri="{FF2B5EF4-FFF2-40B4-BE49-F238E27FC236}">
+                  <a16:creationId xmlns:a16="http://schemas.microsoft.com/office/drawing/2014/main" id="{5F9114AE-FEBD-4A69-9296-6759950B7BEE}"/>
+                </a:ext>
+              </a:extLst>
+            </p:cNvPr>
+            <p:cNvCxnSpPr>
+              <a:cxnSpLocks/>
+              <a:stCxn id="31" idx="3"/>
+              <a:endCxn id="30" idx="1"/>
+            </p:cNvCxnSpPr>
+            <p:nvPr/>
+          </p:nvCxnSpPr>
+          <p:spPr>
+            <a:xfrm flipV="1">
+              <a:off x="9828295" y="4439468"/>
+              <a:ext cx="1010737" cy="19786"/>
+            </a:xfrm>
+            <a:prstGeom prst="straightConnector1">
+              <a:avLst/>
+            </a:prstGeom>
+            <a:solidFill>
+              <a:schemeClr val="tx1">
+                <a:lumMod val="75000"/>
+                <a:lumOff val="25000"/>
+              </a:schemeClr>
+            </a:solidFill>
+            <a:ln w="38100">
+              <a:solidFill>
+                <a:schemeClr val="tx1"/>
+              </a:solidFill>
+              <a:tailEnd type="triangle"/>
+            </a:ln>
+          </p:spPr>
+          <p:style>
+            <a:lnRef idx="1">
+              <a:schemeClr val="accent1"/>
+            </a:lnRef>
+            <a:fillRef idx="0">
+              <a:schemeClr val="accent1"/>
+            </a:fillRef>
+            <a:effectRef idx="0">
+              <a:schemeClr val="accent1"/>
+            </a:effectRef>
+            <a:fontRef idx="minor">
+              <a:schemeClr val="tx1"/>
+            </a:fontRef>
+          </p:style>
+        </p:cxnSp>
+        <p:cxnSp>
+          <p:nvCxnSpPr>
+            <p:cNvPr id="16" name="Straight Arrow Connector 15">
+              <a:extLst>
+                <a:ext uri="{FF2B5EF4-FFF2-40B4-BE49-F238E27FC236}">
+                  <a16:creationId xmlns:a16="http://schemas.microsoft.com/office/drawing/2014/main" id="{DA3F138E-8B91-4208-8E61-0000F6D5FCE0}"/>
+                </a:ext>
+              </a:extLst>
+            </p:cNvPr>
+            <p:cNvCxnSpPr/>
+            <p:nvPr/>
+          </p:nvCxnSpPr>
+          <p:spPr>
+            <a:xfrm>
+              <a:off x="5552824" y="4354640"/>
+              <a:ext cx="971550" cy="0"/>
+            </a:xfrm>
+            <a:prstGeom prst="straightConnector1">
+              <a:avLst/>
+            </a:prstGeom>
+            <a:solidFill>
+              <a:schemeClr val="tx1">
+                <a:lumMod val="75000"/>
+                <a:lumOff val="25000"/>
+              </a:schemeClr>
+            </a:solidFill>
+            <a:ln w="38100">
+              <a:solidFill>
+                <a:schemeClr val="tx1"/>
+              </a:solidFill>
+              <a:tailEnd type="triangle"/>
+            </a:ln>
+          </p:spPr>
+          <p:style>
+            <a:lnRef idx="1">
+              <a:schemeClr val="accent1"/>
+            </a:lnRef>
+            <a:fillRef idx="0">
+              <a:schemeClr val="accent1"/>
+            </a:fillRef>
+            <a:effectRef idx="0">
+              <a:schemeClr val="accent1"/>
+            </a:effectRef>
+            <a:fontRef idx="minor">
+              <a:schemeClr val="tx1"/>
+            </a:fontRef>
+          </p:style>
+        </p:cxnSp>
+        <p:cxnSp>
+          <p:nvCxnSpPr>
+            <p:cNvPr id="17" name="Straight Arrow Connector 16">
+              <a:extLst>
+                <a:ext uri="{FF2B5EF4-FFF2-40B4-BE49-F238E27FC236}">
+                  <a16:creationId xmlns:a16="http://schemas.microsoft.com/office/drawing/2014/main" id="{32DE0CFE-E5AF-44D9-B246-82808A8F1481}"/>
+                </a:ext>
+              </a:extLst>
+            </p:cNvPr>
+            <p:cNvCxnSpPr/>
+            <p:nvPr/>
+          </p:nvCxnSpPr>
+          <p:spPr>
+            <a:xfrm>
+              <a:off x="5571874" y="2834260"/>
+              <a:ext cx="971550" cy="0"/>
+            </a:xfrm>
+            <a:prstGeom prst="straightConnector1">
+              <a:avLst/>
+            </a:prstGeom>
+            <a:solidFill>
+              <a:schemeClr val="tx1">
+                <a:lumMod val="75000"/>
+                <a:lumOff val="25000"/>
+              </a:schemeClr>
+            </a:solidFill>
+            <a:ln w="38100">
+              <a:solidFill>
+                <a:schemeClr val="tx1"/>
+              </a:solidFill>
+              <a:tailEnd type="triangle"/>
+            </a:ln>
+          </p:spPr>
+          <p:style>
+            <a:lnRef idx="1">
+              <a:schemeClr val="accent1"/>
+            </a:lnRef>
+            <a:fillRef idx="0">
+              <a:schemeClr val="accent1"/>
+            </a:fillRef>
+            <a:effectRef idx="0">
+              <a:schemeClr val="accent1"/>
+            </a:effectRef>
+            <a:fontRef idx="minor">
+              <a:schemeClr val="tx1"/>
+            </a:fontRef>
+          </p:style>
+        </p:cxnSp>
+        <p:sp>
+          <p:nvSpPr>
+            <p:cNvPr id="19" name="Rectangle 18">
+              <a:extLst>
+                <a:ext uri="{FF2B5EF4-FFF2-40B4-BE49-F238E27FC236}">
+                  <a16:creationId xmlns:a16="http://schemas.microsoft.com/office/drawing/2014/main" id="{AFD12924-FC5A-4785-82A5-83AE8470A3A4}"/>
+                </a:ext>
+              </a:extLst>
+            </p:cNvPr>
+            <p:cNvSpPr/>
+            <p:nvPr/>
+          </p:nvSpPr>
+          <p:spPr>
+            <a:xfrm>
+              <a:off x="6534149" y="3852128"/>
+              <a:ext cx="1152275" cy="1190625"/>
+            </a:xfrm>
+            <a:prstGeom prst="rect">
+              <a:avLst/>
+            </a:prstGeom>
+            <a:solidFill>
+              <a:srgbClr val="0070C0"/>
+            </a:solidFill>
+            <a:ln w="38100">
+              <a:solidFill>
+                <a:srgbClr val="002060"/>
+              </a:solidFill>
+            </a:ln>
+          </p:spPr>
+          <p:style>
+            <a:lnRef idx="2">
+              <a:schemeClr val="accent1">
+                <a:shade val="50000"/>
+              </a:schemeClr>
+            </a:lnRef>
+            <a:fillRef idx="1">
+              <a:schemeClr val="accent1"/>
+            </a:fillRef>
+            <a:effectRef idx="0">
+              <a:schemeClr val="accent1"/>
+            </a:effectRef>
+            <a:fontRef idx="minor">
+              <a:schemeClr val="lt1"/>
+            </a:fontRef>
+          </p:style>
+          <p:txBody>
+            <a:bodyPr rot="0" spcFirstLastPara="0" vertOverflow="overflow" horzOverflow="overflow" vert="horz" wrap="square" lIns="91440" tIns="45720" rIns="91440" bIns="45720" numCol="1" spcCol="0" rtlCol="0" fromWordArt="0" anchor="ctr" anchorCtr="0" forceAA="0" compatLnSpc="1">
+              <a:prstTxWarp prst="textNoShape">
+                <a:avLst/>
+              </a:prstTxWarp>
+              <a:noAutofit/>
+            </a:bodyPr>
+            <a:lstStyle/>
+            <a:p>
+              <a:pPr algn="ctr"/>
+              <a:r>
+                <a:rPr lang="en-US" dirty="0">
+                  <a:ln w="0"/>
+                  <a:solidFill>
+                    <a:schemeClr val="bg1"/>
+                  </a:solidFill>
+                  <a:effectLst>
+                    <a:outerShdw blurRad="38100" dist="19050" dir="2700000" algn="tl" rotWithShape="0">
+                      <a:schemeClr val="dk1">
+                        <a:alpha val="40000"/>
+                      </a:schemeClr>
+                    </a:outerShdw>
+                  </a:effectLst>
+                </a:rPr>
+                <a:t>Computer Vision</a:t>
+              </a:r>
+            </a:p>
+          </p:txBody>
+        </p:sp>
+        <p:sp>
+          <p:nvSpPr>
+            <p:cNvPr id="20" name="Rectangle 19">
+              <a:extLst>
+                <a:ext uri="{FF2B5EF4-FFF2-40B4-BE49-F238E27FC236}">
+                  <a16:creationId xmlns:a16="http://schemas.microsoft.com/office/drawing/2014/main" id="{0BC3EC25-DE91-4C68-95DA-734B968E7BAF}"/>
+                </a:ext>
+              </a:extLst>
+            </p:cNvPr>
+            <p:cNvSpPr/>
+            <p:nvPr/>
+          </p:nvSpPr>
+          <p:spPr>
+            <a:xfrm>
+              <a:off x="6552949" y="2211515"/>
+              <a:ext cx="1085850" cy="1190625"/>
+            </a:xfrm>
+            <a:prstGeom prst="rect">
+              <a:avLst/>
+            </a:prstGeom>
+            <a:solidFill>
+              <a:srgbClr val="0070C0"/>
+            </a:solidFill>
+            <a:ln w="38100">
+              <a:solidFill>
+                <a:srgbClr val="002060"/>
+              </a:solidFill>
+            </a:ln>
+          </p:spPr>
+          <p:style>
+            <a:lnRef idx="2">
+              <a:schemeClr val="accent1">
+                <a:shade val="50000"/>
+              </a:schemeClr>
+            </a:lnRef>
+            <a:fillRef idx="1">
+              <a:schemeClr val="accent1"/>
+            </a:fillRef>
+            <a:effectRef idx="0">
+              <a:schemeClr val="accent1"/>
+            </a:effectRef>
+            <a:fontRef idx="minor">
+              <a:schemeClr val="lt1"/>
+            </a:fontRef>
+          </p:style>
+          <p:txBody>
+            <a:bodyPr rot="0" spcFirstLastPara="0" vertOverflow="overflow" horzOverflow="overflow" vert="horz" wrap="square" lIns="91440" tIns="45720" rIns="91440" bIns="45720" numCol="1" spcCol="0" rtlCol="0" fromWordArt="0" anchor="ctr" anchorCtr="0" forceAA="0" compatLnSpc="1">
+              <a:prstTxWarp prst="textNoShape">
+                <a:avLst/>
+              </a:prstTxWarp>
+              <a:noAutofit/>
+            </a:bodyPr>
+            <a:lstStyle/>
+            <a:p>
+              <a:pPr algn="ctr"/>
+              <a:r>
+                <a:rPr lang="en-US" dirty="0">
+                  <a:ln w="0"/>
+                  <a:solidFill>
+                    <a:schemeClr val="bg1"/>
+                  </a:solidFill>
+                  <a:effectLst>
+                    <a:outerShdw blurRad="38100" dist="19050" dir="2700000" algn="tl" rotWithShape="0">
+                      <a:schemeClr val="dk1">
+                        <a:alpha val="40000"/>
+                      </a:schemeClr>
+                    </a:outerShdw>
+                  </a:effectLst>
+                </a:rPr>
+                <a:t>NLP</a:t>
+              </a:r>
+            </a:p>
+          </p:txBody>
+        </p:sp>
+        <p:sp>
+          <p:nvSpPr>
+            <p:cNvPr id="21" name="Rectangle 20">
+              <a:extLst>
+                <a:ext uri="{FF2B5EF4-FFF2-40B4-BE49-F238E27FC236}">
+                  <a16:creationId xmlns:a16="http://schemas.microsoft.com/office/drawing/2014/main" id="{933DD244-B0EC-4810-BF55-1C29CFF6401C}"/>
+                </a:ext>
+              </a:extLst>
+            </p:cNvPr>
+            <p:cNvSpPr/>
+            <p:nvPr/>
+          </p:nvSpPr>
+          <p:spPr>
+            <a:xfrm>
+              <a:off x="4466974" y="3749803"/>
+              <a:ext cx="1085850" cy="1190625"/>
+            </a:xfrm>
+            <a:prstGeom prst="rect">
+              <a:avLst/>
+            </a:prstGeom>
+            <a:solidFill>
+              <a:srgbClr val="0070C0"/>
+            </a:solidFill>
+            <a:ln w="38100">
+              <a:solidFill>
+                <a:srgbClr val="002060"/>
+              </a:solidFill>
+            </a:ln>
+          </p:spPr>
+          <p:style>
+            <a:lnRef idx="2">
+              <a:schemeClr val="accent1">
+                <a:shade val="50000"/>
+              </a:schemeClr>
+            </a:lnRef>
+            <a:fillRef idx="1">
+              <a:schemeClr val="accent1"/>
+            </a:fillRef>
+            <a:effectRef idx="0">
+              <a:schemeClr val="accent1"/>
+            </a:effectRef>
+            <a:fontRef idx="minor">
+              <a:schemeClr val="lt1"/>
+            </a:fontRef>
+          </p:style>
+          <p:txBody>
+            <a:bodyPr rot="0" spcFirstLastPara="0" vertOverflow="overflow" horzOverflow="overflow" vert="horz" wrap="square" lIns="91440" tIns="45720" rIns="91440" bIns="45720" numCol="1" spcCol="0" rtlCol="0" fromWordArt="0" anchor="ctr" anchorCtr="0" forceAA="0" compatLnSpc="1">
+              <a:prstTxWarp prst="textNoShape">
+                <a:avLst/>
+              </a:prstTxWarp>
+              <a:noAutofit/>
+            </a:bodyPr>
+            <a:lstStyle/>
+            <a:p>
+              <a:pPr algn="ctr"/>
+              <a:r>
+                <a:rPr lang="en-US" dirty="0">
+                  <a:ln w="0"/>
+                  <a:solidFill>
+                    <a:schemeClr val="bg1"/>
+                  </a:solidFill>
+                  <a:effectLst>
+                    <a:outerShdw blurRad="38100" dist="19050" dir="2700000" algn="tl" rotWithShape="0">
+                      <a:schemeClr val="dk1">
+                        <a:alpha val="40000"/>
+                      </a:schemeClr>
+                    </a:outerShdw>
+                  </a:effectLst>
+                </a:rPr>
+                <a:t>Image</a:t>
+              </a:r>
+            </a:p>
+            <a:p>
+              <a:pPr algn="ctr"/>
+              <a:r>
+                <a:rPr lang="en-US" dirty="0">
+                  <a:ln w="0"/>
+                  <a:solidFill>
+                    <a:schemeClr val="bg1"/>
+                  </a:solidFill>
+                  <a:effectLst>
+                    <a:outerShdw blurRad="38100" dist="19050" dir="2700000" algn="tl" rotWithShape="0">
+                      <a:schemeClr val="dk1">
+                        <a:alpha val="40000"/>
+                      </a:schemeClr>
+                    </a:outerShdw>
+                  </a:effectLst>
+                </a:rPr>
+                <a:t>URLs</a:t>
+              </a:r>
+            </a:p>
+          </p:txBody>
+        </p:sp>
+        <p:sp>
+          <p:nvSpPr>
+            <p:cNvPr id="22" name="Rectangle 21">
+              <a:extLst>
+                <a:ext uri="{FF2B5EF4-FFF2-40B4-BE49-F238E27FC236}">
+                  <a16:creationId xmlns:a16="http://schemas.microsoft.com/office/drawing/2014/main" id="{DFC07B18-52C3-4B97-AA35-FBA11DFC0B11}"/>
+                </a:ext>
+              </a:extLst>
+            </p:cNvPr>
+            <p:cNvSpPr/>
+            <p:nvPr/>
+          </p:nvSpPr>
+          <p:spPr>
+            <a:xfrm>
+              <a:off x="4457449" y="2238948"/>
+              <a:ext cx="1085850" cy="1190625"/>
+            </a:xfrm>
+            <a:prstGeom prst="rect">
+              <a:avLst/>
+            </a:prstGeom>
+            <a:solidFill>
+              <a:srgbClr val="0070C0"/>
+            </a:solidFill>
+            <a:ln w="38100">
+              <a:solidFill>
+                <a:srgbClr val="002060"/>
+              </a:solidFill>
+            </a:ln>
+          </p:spPr>
+          <p:style>
+            <a:lnRef idx="2">
+              <a:schemeClr val="accent1">
+                <a:shade val="50000"/>
+              </a:schemeClr>
+            </a:lnRef>
+            <a:fillRef idx="1">
+              <a:schemeClr val="accent1"/>
+            </a:fillRef>
+            <a:effectRef idx="0">
+              <a:schemeClr val="accent1"/>
+            </a:effectRef>
+            <a:fontRef idx="minor">
+              <a:schemeClr val="lt1"/>
+            </a:fontRef>
+          </p:style>
+          <p:txBody>
+            <a:bodyPr rot="0" spcFirstLastPara="0" vertOverflow="overflow" horzOverflow="overflow" vert="horz" wrap="square" lIns="91440" tIns="45720" rIns="91440" bIns="45720" numCol="1" spcCol="0" rtlCol="0" fromWordArt="0" anchor="ctr" anchorCtr="0" forceAA="0" compatLnSpc="1">
+              <a:prstTxWarp prst="textNoShape">
+                <a:avLst/>
+              </a:prstTxWarp>
+              <a:noAutofit/>
+            </a:bodyPr>
+            <a:lstStyle/>
+            <a:p>
+              <a:pPr algn="ctr"/>
+              <a:r>
+                <a:rPr lang="en-US" dirty="0">
+                  <a:ln w="0"/>
+                  <a:solidFill>
+                    <a:schemeClr val="bg1"/>
+                  </a:solidFill>
+                  <a:effectLst>
+                    <a:outerShdw blurRad="38100" dist="19050" dir="2700000" algn="tl" rotWithShape="0">
+                      <a:schemeClr val="dk1">
+                        <a:alpha val="40000"/>
+                      </a:schemeClr>
+                    </a:outerShdw>
+                  </a:effectLst>
+                </a:rPr>
+                <a:t>Webpage</a:t>
+              </a:r>
+            </a:p>
+            <a:p>
+              <a:pPr algn="ctr"/>
+              <a:r>
+                <a:rPr lang="en-US" dirty="0">
+                  <a:ln w="0"/>
+                  <a:solidFill>
+                    <a:schemeClr val="bg1"/>
+                  </a:solidFill>
+                  <a:effectLst>
+                    <a:outerShdw blurRad="38100" dist="19050" dir="2700000" algn="tl" rotWithShape="0">
+                      <a:schemeClr val="dk1">
+                        <a:alpha val="40000"/>
+                      </a:schemeClr>
+                    </a:outerShdw>
+                  </a:effectLst>
+                </a:rPr>
+                <a:t>Text</a:t>
+              </a:r>
+            </a:p>
+          </p:txBody>
+        </p:sp>
+        <p:cxnSp>
+          <p:nvCxnSpPr>
+            <p:cNvPr id="24" name="Connector: Elbow 23">
+              <a:extLst>
+                <a:ext uri="{FF2B5EF4-FFF2-40B4-BE49-F238E27FC236}">
+                  <a16:creationId xmlns:a16="http://schemas.microsoft.com/office/drawing/2014/main" id="{C1ECDE0D-69D2-4CFF-8C3E-B724EE1C05DF}"/>
+                </a:ext>
+              </a:extLst>
+            </p:cNvPr>
+            <p:cNvCxnSpPr>
+              <a:cxnSpLocks/>
+              <a:stCxn id="8" idx="0"/>
+            </p:cNvCxnSpPr>
+            <p:nvPr/>
+          </p:nvCxnSpPr>
+          <p:spPr>
+            <a:xfrm rot="5400000" flipH="1" flipV="1">
+              <a:off x="3137485" y="2537373"/>
+              <a:ext cx="969670" cy="1508585"/>
+            </a:xfrm>
+            <a:prstGeom prst="bentConnector2">
+              <a:avLst/>
+            </a:prstGeom>
+            <a:solidFill>
+              <a:schemeClr val="tx1">
+                <a:lumMod val="75000"/>
+                <a:lumOff val="25000"/>
+              </a:schemeClr>
+            </a:solidFill>
+            <a:ln w="38100">
+              <a:solidFill>
+                <a:schemeClr val="tx1"/>
+              </a:solidFill>
+              <a:tailEnd type="triangle"/>
+            </a:ln>
+          </p:spPr>
+          <p:style>
+            <a:lnRef idx="1">
+              <a:schemeClr val="accent1"/>
+            </a:lnRef>
+            <a:fillRef idx="0">
+              <a:schemeClr val="accent1"/>
+            </a:fillRef>
+            <a:effectRef idx="0">
+              <a:schemeClr val="accent1"/>
+            </a:effectRef>
+            <a:fontRef idx="minor">
+              <a:schemeClr val="tx1"/>
+            </a:fontRef>
+          </p:style>
+        </p:cxnSp>
+        <p:cxnSp>
+          <p:nvCxnSpPr>
+            <p:cNvPr id="28" name="Connector: Elbow 27">
+              <a:extLst>
+                <a:ext uri="{FF2B5EF4-FFF2-40B4-BE49-F238E27FC236}">
+                  <a16:creationId xmlns:a16="http://schemas.microsoft.com/office/drawing/2014/main" id="{441CDFE6-F89E-4D16-AB8E-34F8A1EC46A6}"/>
+                </a:ext>
+              </a:extLst>
+            </p:cNvPr>
+            <p:cNvCxnSpPr>
+              <a:cxnSpLocks/>
+              <a:stCxn id="20" idx="3"/>
+              <a:endCxn id="31" idx="0"/>
+            </p:cNvCxnSpPr>
+            <p:nvPr/>
+          </p:nvCxnSpPr>
+          <p:spPr>
+            <a:xfrm>
+              <a:off x="7638799" y="2806828"/>
+              <a:ext cx="1646571" cy="1057113"/>
+            </a:xfrm>
+            <a:prstGeom prst="bentConnector2">
+              <a:avLst/>
+            </a:prstGeom>
+            <a:solidFill>
+              <a:schemeClr val="tx1">
+                <a:lumMod val="75000"/>
+                <a:lumOff val="25000"/>
+              </a:schemeClr>
+            </a:solidFill>
+            <a:ln w="38100">
+              <a:solidFill>
+                <a:schemeClr val="tx1"/>
+              </a:solidFill>
+              <a:tailEnd type="triangle"/>
+            </a:ln>
+          </p:spPr>
+          <p:style>
+            <a:lnRef idx="1">
+              <a:schemeClr val="accent1"/>
+            </a:lnRef>
+            <a:fillRef idx="0">
+              <a:schemeClr val="accent1"/>
+            </a:fillRef>
+            <a:effectRef idx="0">
+              <a:schemeClr val="accent1"/>
+            </a:effectRef>
+            <a:fontRef idx="minor">
+              <a:schemeClr val="tx1"/>
+            </a:fontRef>
+          </p:style>
+        </p:cxnSp>
+        <p:sp>
+          <p:nvSpPr>
+            <p:cNvPr id="30" name="Rectangle 29">
+              <a:extLst>
+                <a:ext uri="{FF2B5EF4-FFF2-40B4-BE49-F238E27FC236}">
+                  <a16:creationId xmlns:a16="http://schemas.microsoft.com/office/drawing/2014/main" id="{4C2FC07C-26CF-4C22-B08E-73BFC5F20EB6}"/>
+                </a:ext>
+              </a:extLst>
+            </p:cNvPr>
+            <p:cNvSpPr/>
+            <p:nvPr/>
+          </p:nvSpPr>
+          <p:spPr>
+            <a:xfrm>
+              <a:off x="10839032" y="3844155"/>
+              <a:ext cx="1139492" cy="1190625"/>
+            </a:xfrm>
+            <a:prstGeom prst="rect">
+              <a:avLst/>
+            </a:prstGeom>
+            <a:solidFill>
+              <a:srgbClr val="92D050"/>
+            </a:solidFill>
+            <a:ln w="38100">
+              <a:solidFill>
+                <a:srgbClr val="00B050"/>
+              </a:solidFill>
+            </a:ln>
+          </p:spPr>
+          <p:style>
+            <a:lnRef idx="2">
+              <a:schemeClr val="accent1">
+                <a:shade val="50000"/>
+              </a:schemeClr>
+            </a:lnRef>
+            <a:fillRef idx="1">
+              <a:schemeClr val="accent1"/>
+            </a:fillRef>
+            <a:effectRef idx="0">
+              <a:schemeClr val="accent1"/>
+            </a:effectRef>
+            <a:fontRef idx="minor">
+              <a:schemeClr val="lt1"/>
+            </a:fontRef>
+          </p:style>
+          <p:txBody>
+            <a:bodyPr rot="0" spcFirstLastPara="0" vertOverflow="overflow" horzOverflow="overflow" vert="horz" wrap="square" lIns="91440" tIns="45720" rIns="91440" bIns="45720" numCol="1" spcCol="0" rtlCol="0" fromWordArt="0" anchor="ctr" anchorCtr="0" forceAA="0" compatLnSpc="1">
+              <a:prstTxWarp prst="textNoShape">
+                <a:avLst/>
+              </a:prstTxWarp>
+              <a:noAutofit/>
+            </a:bodyPr>
+            <a:lstStyle/>
+            <a:p>
+              <a:pPr algn="ctr"/>
+              <a:r>
+                <a:rPr lang="en-US" dirty="0">
+                  <a:ln w="0"/>
+                  <a:solidFill>
+                    <a:schemeClr val="bg1"/>
+                  </a:solidFill>
+                  <a:effectLst>
+                    <a:outerShdw blurRad="38100" dist="19050" dir="2700000" algn="tl" rotWithShape="0">
+                      <a:schemeClr val="dk1">
+                        <a:alpha val="40000"/>
+                      </a:schemeClr>
+                    </a:outerShdw>
+                  </a:effectLst>
+                </a:rPr>
+                <a:t>Google Translate API</a:t>
+              </a:r>
+            </a:p>
+          </p:txBody>
+        </p:sp>
+        <p:sp>
+          <p:nvSpPr>
+            <p:cNvPr id="31" name="Rectangle 30">
+              <a:extLst>
+                <a:ext uri="{FF2B5EF4-FFF2-40B4-BE49-F238E27FC236}">
+                  <a16:creationId xmlns:a16="http://schemas.microsoft.com/office/drawing/2014/main" id="{48349522-2F8C-41E3-8988-6AE75D8DB017}"/>
+                </a:ext>
+              </a:extLst>
+            </p:cNvPr>
+            <p:cNvSpPr/>
+            <p:nvPr/>
+          </p:nvSpPr>
+          <p:spPr>
+            <a:xfrm>
+              <a:off x="8742445" y="3863941"/>
+              <a:ext cx="1085850" cy="1190625"/>
+            </a:xfrm>
+            <a:prstGeom prst="rect">
+              <a:avLst/>
+            </a:prstGeom>
+            <a:solidFill>
+              <a:srgbClr val="92D050"/>
+            </a:solidFill>
+            <a:ln w="38100">
+              <a:solidFill>
+                <a:srgbClr val="00B050"/>
+              </a:solidFill>
+            </a:ln>
+          </p:spPr>
+          <p:style>
+            <a:lnRef idx="2">
+              <a:schemeClr val="accent1">
+                <a:shade val="50000"/>
+              </a:schemeClr>
+            </a:lnRef>
+            <a:fillRef idx="1">
+              <a:schemeClr val="accent1"/>
+            </a:fillRef>
+            <a:effectRef idx="0">
+              <a:schemeClr val="accent1"/>
+            </a:effectRef>
+            <a:fontRef idx="minor">
+              <a:schemeClr val="lt1"/>
+            </a:fontRef>
+          </p:style>
+          <p:txBody>
+            <a:bodyPr rot="0" spcFirstLastPara="0" vertOverflow="overflow" horzOverflow="overflow" vert="horz" wrap="square" lIns="91440" tIns="45720" rIns="91440" bIns="45720" numCol="1" spcCol="0" rtlCol="0" fromWordArt="0" anchor="ctr" anchorCtr="0" forceAA="0" compatLnSpc="1">
+              <a:prstTxWarp prst="textNoShape">
+                <a:avLst/>
+              </a:prstTxWarp>
+              <a:noAutofit/>
+            </a:bodyPr>
+            <a:lstStyle/>
+            <a:p>
+              <a:pPr algn="ctr"/>
+              <a:r>
+                <a:rPr lang="en-US" dirty="0">
+                  <a:ln w="0"/>
+                  <a:solidFill>
+                    <a:schemeClr val="bg1"/>
+                  </a:solidFill>
+                  <a:effectLst>
+                    <a:outerShdw blurRad="38100" dist="19050" dir="2700000" algn="tl" rotWithShape="0">
+                      <a:schemeClr val="dk1">
+                        <a:alpha val="40000"/>
+                      </a:schemeClr>
+                    </a:outerShdw>
+                  </a:effectLst>
+                </a:rPr>
+                <a:t>Text to Speech</a:t>
+              </a:r>
+            </a:p>
+          </p:txBody>
+        </p:sp>
+        <p:cxnSp>
+          <p:nvCxnSpPr>
+            <p:cNvPr id="37" name="Connector: Elbow 36">
+              <a:extLst>
+                <a:ext uri="{FF2B5EF4-FFF2-40B4-BE49-F238E27FC236}">
+                  <a16:creationId xmlns:a16="http://schemas.microsoft.com/office/drawing/2014/main" id="{398ACF37-2036-4108-A738-0969F96E80FA}"/>
+                </a:ext>
+              </a:extLst>
+            </p:cNvPr>
+            <p:cNvCxnSpPr>
+              <a:cxnSpLocks/>
+              <a:stCxn id="8" idx="2"/>
+            </p:cNvCxnSpPr>
+            <p:nvPr/>
+          </p:nvCxnSpPr>
+          <p:spPr>
+            <a:xfrm rot="16200000" flipH="1">
+              <a:off x="3703711" y="4131442"/>
+              <a:ext cx="806386" cy="2477752"/>
+            </a:xfrm>
+            <a:prstGeom prst="bentConnector2">
+              <a:avLst/>
+            </a:prstGeom>
+            <a:ln w="38100">
+              <a:tailEnd type="triangle"/>
+            </a:ln>
+          </p:spPr>
+          <p:style>
+            <a:lnRef idx="1">
+              <a:schemeClr val="dk1"/>
+            </a:lnRef>
+            <a:fillRef idx="0">
+              <a:schemeClr val="dk1"/>
+            </a:fillRef>
+            <a:effectRef idx="0">
+              <a:schemeClr val="dk1"/>
+            </a:effectRef>
+            <a:fontRef idx="minor">
+              <a:schemeClr val="tx1"/>
+            </a:fontRef>
+          </p:style>
+        </p:cxnSp>
+        <p:sp>
+          <p:nvSpPr>
+            <p:cNvPr id="65" name="Rectangle 64">
+              <a:extLst>
+                <a:ext uri="{FF2B5EF4-FFF2-40B4-BE49-F238E27FC236}">
+                  <a16:creationId xmlns:a16="http://schemas.microsoft.com/office/drawing/2014/main" id="{05603A69-AD7D-4FB2-A45C-8CABFC09604C}"/>
+                </a:ext>
+              </a:extLst>
+            </p:cNvPr>
+            <p:cNvSpPr/>
+            <p:nvPr/>
+          </p:nvSpPr>
+          <p:spPr>
+            <a:xfrm>
+              <a:off x="5305425" y="5214936"/>
+              <a:ext cx="1085850" cy="1190625"/>
+            </a:xfrm>
+            <a:prstGeom prst="rect">
+              <a:avLst/>
+            </a:prstGeom>
+            <a:solidFill>
+              <a:srgbClr val="0070C0"/>
+            </a:solidFill>
+            <a:ln w="38100">
+              <a:solidFill>
+                <a:srgbClr val="002060"/>
+              </a:solidFill>
+            </a:ln>
+          </p:spPr>
+          <p:style>
+            <a:lnRef idx="2">
+              <a:schemeClr val="accent1">
+                <a:shade val="50000"/>
+              </a:schemeClr>
+            </a:lnRef>
+            <a:fillRef idx="1">
+              <a:schemeClr val="accent1"/>
+            </a:fillRef>
+            <a:effectRef idx="0">
+              <a:schemeClr val="accent1"/>
+            </a:effectRef>
+            <a:fontRef idx="minor">
+              <a:schemeClr val="lt1"/>
+            </a:fontRef>
+          </p:style>
+          <p:txBody>
+            <a:bodyPr rot="0" spcFirstLastPara="0" vertOverflow="overflow" horzOverflow="overflow" vert="horz" wrap="square" lIns="91440" tIns="45720" rIns="91440" bIns="45720" numCol="1" spcCol="0" rtlCol="0" fromWordArt="0" anchor="ctr" anchorCtr="0" forceAA="0" compatLnSpc="1">
+              <a:prstTxWarp prst="textNoShape">
+                <a:avLst/>
+              </a:prstTxWarp>
+              <a:noAutofit/>
+            </a:bodyPr>
+            <a:lstStyle/>
+            <a:p>
+              <a:pPr algn="ctr"/>
+              <a:r>
+                <a:rPr lang="en-US" dirty="0">
+                  <a:ln w="0"/>
+                  <a:solidFill>
+                    <a:schemeClr val="bg1"/>
+                  </a:solidFill>
+                  <a:effectLst>
+                    <a:outerShdw blurRad="38100" dist="19050" dir="2700000" algn="tl" rotWithShape="0">
+                      <a:schemeClr val="dk1">
+                        <a:alpha val="40000"/>
+                      </a:schemeClr>
+                    </a:outerShdw>
+                  </a:effectLst>
+                </a:rPr>
+                <a:t>Statistical Analysis</a:t>
+              </a:r>
+            </a:p>
+          </p:txBody>
+        </p:sp>
+        <p:cxnSp>
+          <p:nvCxnSpPr>
+            <p:cNvPr id="70" name="Connector: Elbow 69">
+              <a:extLst>
+                <a:ext uri="{FF2B5EF4-FFF2-40B4-BE49-F238E27FC236}">
+                  <a16:creationId xmlns:a16="http://schemas.microsoft.com/office/drawing/2014/main" id="{D46E93A8-D364-4437-A384-46217706CC21}"/>
+                </a:ext>
+              </a:extLst>
+            </p:cNvPr>
+            <p:cNvCxnSpPr>
+              <a:cxnSpLocks/>
+              <a:stCxn id="65" idx="3"/>
+              <a:endCxn id="31" idx="2"/>
+            </p:cNvCxnSpPr>
+            <p:nvPr/>
+          </p:nvCxnSpPr>
+          <p:spPr>
+            <a:xfrm flipV="1">
+              <a:off x="6391275" y="5054566"/>
+              <a:ext cx="2894095" cy="755683"/>
+            </a:xfrm>
+            <a:prstGeom prst="bentConnector2">
+              <a:avLst/>
+            </a:prstGeom>
+            <a:ln w="38100">
+              <a:tailEnd type="triangle"/>
+            </a:ln>
+          </p:spPr>
+          <p:style>
+            <a:lnRef idx="1">
+              <a:schemeClr val="dk1"/>
+            </a:lnRef>
+            <a:fillRef idx="0">
+              <a:schemeClr val="dk1"/>
+            </a:fillRef>
+            <a:effectRef idx="0">
+              <a:schemeClr val="dk1"/>
+            </a:effectRef>
+            <a:fontRef idx="minor">
+              <a:schemeClr val="tx1"/>
+            </a:fontRef>
+          </p:style>
+        </p:cxnSp>
+        <p:cxnSp>
+          <p:nvCxnSpPr>
+            <p:cNvPr id="91" name="Straight Arrow Connector 90">
+              <a:extLst>
+                <a:ext uri="{FF2B5EF4-FFF2-40B4-BE49-F238E27FC236}">
+                  <a16:creationId xmlns:a16="http://schemas.microsoft.com/office/drawing/2014/main" id="{C9E9C5D8-E79B-45ED-8A26-BA34DFC06D80}"/>
+                </a:ext>
+              </a:extLst>
+            </p:cNvPr>
+            <p:cNvCxnSpPr/>
+            <p:nvPr/>
+          </p:nvCxnSpPr>
+          <p:spPr>
+            <a:xfrm>
+              <a:off x="3429000" y="4327780"/>
+              <a:ext cx="971550" cy="0"/>
+            </a:xfrm>
+            <a:prstGeom prst="straightConnector1">
+              <a:avLst/>
+            </a:prstGeom>
+            <a:solidFill>
+              <a:schemeClr val="tx1">
+                <a:lumMod val="75000"/>
+                <a:lumOff val="25000"/>
+              </a:schemeClr>
+            </a:solidFill>
+            <a:ln w="38100">
+              <a:solidFill>
+                <a:schemeClr val="tx1"/>
+              </a:solidFill>
+              <a:tailEnd type="triangle"/>
+            </a:ln>
+          </p:spPr>
+          <p:style>
+            <a:lnRef idx="1">
+              <a:schemeClr val="accent1"/>
+            </a:lnRef>
+            <a:fillRef idx="0">
+              <a:schemeClr val="accent1"/>
+            </a:fillRef>
+            <a:effectRef idx="0">
+              <a:schemeClr val="accent1"/>
+            </a:effectRef>
+            <a:fontRef idx="minor">
+              <a:schemeClr val="tx1"/>
+            </a:fontRef>
+          </p:style>
+        </p:cxnSp>
+      </p:grpSp>
+      <p:sp>
+        <p:nvSpPr>
+          <p:cNvPr id="94" name="Rectangle 93">
+            <a:extLst>
+              <a:ext uri="{FF2B5EF4-FFF2-40B4-BE49-F238E27FC236}">
+                <a16:creationId xmlns:a16="http://schemas.microsoft.com/office/drawing/2014/main" id="{A254D1F6-2A8D-45E3-82D0-4836E309BE59}"/>
+              </a:ext>
+            </a:extLst>
+          </p:cNvPr>
+          <p:cNvSpPr/>
+          <p:nvPr/>
+        </p:nvSpPr>
+        <p:spPr>
+          <a:xfrm>
+            <a:off x="8456150" y="3359427"/>
+            <a:ext cx="3649711" cy="1759226"/>
+          </a:xfrm>
+          <a:prstGeom prst="rect">
+            <a:avLst/>
+          </a:prstGeom>
+          <a:noFill/>
+          <a:ln w="28575">
+            <a:solidFill>
+              <a:srgbClr val="FF0000"/>
+            </a:solidFill>
+          </a:ln>
+        </p:spPr>
+        <p:style>
+          <a:lnRef idx="2">
+            <a:schemeClr val="accent1">
+              <a:shade val="50000"/>
+            </a:schemeClr>
+          </a:lnRef>
+          <a:fillRef idx="1">
+            <a:schemeClr val="accent1"/>
+          </a:fillRef>
+          <a:effectRef idx="0">
+            <a:schemeClr val="accent1"/>
+          </a:effectRef>
+          <a:fontRef idx="minor">
+            <a:schemeClr val="lt1"/>
+          </a:fontRef>
+        </p:style>
+        <p:txBody>
+          <a:bodyPr rtlCol="0" anchor="ctr"/>
+          <a:lstStyle/>
+          <a:p>
+            <a:pPr algn="ctr"/>
+            <a:endParaRPr lang="en-US" dirty="0">
+              <a:solidFill>
+                <a:schemeClr val="tx1"/>
+              </a:solidFill>
+            </a:endParaRPr>
+          </a:p>
+        </p:txBody>
+      </p:sp>
+      <p:sp>
+        <p:nvSpPr>
+          <p:cNvPr id="95" name="TextBox 94">
+            <a:extLst>
+              <a:ext uri="{FF2B5EF4-FFF2-40B4-BE49-F238E27FC236}">
+                <a16:creationId xmlns:a16="http://schemas.microsoft.com/office/drawing/2014/main" id="{AD71AFA6-3460-4B66-ABAF-990C73049A53}"/>
+              </a:ext>
+            </a:extLst>
+          </p:cNvPr>
+          <p:cNvSpPr txBox="1"/>
+          <p:nvPr/>
+        </p:nvSpPr>
+        <p:spPr>
+          <a:xfrm>
+            <a:off x="9564357" y="2852445"/>
+            <a:ext cx="1362874" cy="400110"/>
+          </a:xfrm>
+          <a:prstGeom prst="rect">
+            <a:avLst/>
+          </a:prstGeom>
+          <a:noFill/>
+        </p:spPr>
+        <p:txBody>
+          <a:bodyPr wrap="none" rtlCol="0">
+            <a:spAutoFit/>
+          </a:bodyPr>
+          <a:lstStyle/>
+          <a:p>
+            <a:pPr algn="ctr"/>
+            <a:r>
+              <a:rPr lang="en-US" sz="2000" dirty="0"/>
+              <a:t>Mobile App</a:t>
+            </a:r>
+          </a:p>
+        </p:txBody>
+      </p:sp>
+      <p:sp>
+        <p:nvSpPr>
+          <p:cNvPr id="97" name="Rectangle 96">
+            <a:extLst>
+              <a:ext uri="{FF2B5EF4-FFF2-40B4-BE49-F238E27FC236}">
+                <a16:creationId xmlns:a16="http://schemas.microsoft.com/office/drawing/2014/main" id="{525B7B09-223B-45E9-A527-8F93EA39407E}"/>
+              </a:ext>
+            </a:extLst>
+          </p:cNvPr>
+          <p:cNvSpPr/>
+          <p:nvPr/>
+        </p:nvSpPr>
+        <p:spPr>
+          <a:xfrm>
+            <a:off x="1997766" y="1670210"/>
+            <a:ext cx="5843938" cy="4420557"/>
+          </a:xfrm>
+          <a:prstGeom prst="rect">
+            <a:avLst/>
+          </a:prstGeom>
+          <a:noFill/>
+          <a:ln w="28575">
+            <a:solidFill>
+              <a:srgbClr val="FF0000"/>
+            </a:solidFill>
+          </a:ln>
+        </p:spPr>
+        <p:style>
+          <a:lnRef idx="2">
+            <a:schemeClr val="accent1">
+              <a:shade val="50000"/>
+            </a:schemeClr>
+          </a:lnRef>
+          <a:fillRef idx="1">
+            <a:schemeClr val="accent1"/>
+          </a:fillRef>
+          <a:effectRef idx="0">
+            <a:schemeClr val="accent1"/>
+          </a:effectRef>
+          <a:fontRef idx="minor">
+            <a:schemeClr val="lt1"/>
+          </a:fontRef>
+        </p:style>
+        <p:txBody>
+          <a:bodyPr rtlCol="0" anchor="ctr"/>
+          <a:lstStyle/>
+          <a:p>
+            <a:pPr algn="ctr"/>
+            <a:endParaRPr lang="en-US" dirty="0">
+              <a:solidFill>
+                <a:schemeClr val="tx1"/>
+              </a:solidFill>
+            </a:endParaRPr>
+          </a:p>
+        </p:txBody>
+      </p:sp>
+      <p:sp>
+        <p:nvSpPr>
+          <p:cNvPr id="98" name="TextBox 97">
+            <a:extLst>
+              <a:ext uri="{FF2B5EF4-FFF2-40B4-BE49-F238E27FC236}">
+                <a16:creationId xmlns:a16="http://schemas.microsoft.com/office/drawing/2014/main" id="{44BCBD0B-8778-44A9-AE5B-FE588ACC74EC}"/>
+              </a:ext>
+            </a:extLst>
+          </p:cNvPr>
+          <p:cNvSpPr txBox="1"/>
+          <p:nvPr/>
+        </p:nvSpPr>
+        <p:spPr>
+          <a:xfrm>
+            <a:off x="2246208" y="1254326"/>
+            <a:ext cx="2303837" cy="400110"/>
+          </a:xfrm>
+          <a:prstGeom prst="rect">
+            <a:avLst/>
+          </a:prstGeom>
+          <a:noFill/>
+        </p:spPr>
+        <p:txBody>
+          <a:bodyPr wrap="none" rtlCol="0">
+            <a:spAutoFit/>
+          </a:bodyPr>
+          <a:lstStyle/>
+          <a:p>
+            <a:pPr algn="ctr"/>
+            <a:r>
+              <a:rPr lang="en-US" sz="2000" dirty="0"/>
+              <a:t>Cloud Functions API</a:t>
+            </a:r>
+          </a:p>
+        </p:txBody>
+      </p:sp>
+      <p:pic>
+        <p:nvPicPr>
+          <p:cNvPr id="6156" name="Picture 12" descr="Image result for firebase logo">
+            <a:extLst>
+              <a:ext uri="{FF2B5EF4-FFF2-40B4-BE49-F238E27FC236}">
+                <a16:creationId xmlns:a16="http://schemas.microsoft.com/office/drawing/2014/main" id="{6A8E5E1C-B0D7-47AE-AB90-0BC0870713F2}"/>
+              </a:ext>
+            </a:extLst>
+          </p:cNvPr>
+          <p:cNvPicPr>
+            <a:picLocks noChangeAspect="1" noChangeArrowheads="1"/>
+          </p:cNvPicPr>
+          <p:nvPr/>
+        </p:nvPicPr>
+        <p:blipFill>
+          <a:blip r:embed="rId4">
+            <a:extLst>
+              <a:ext uri="{28A0092B-C50C-407E-A947-70E740481C1C}">
+                <a14:useLocalDpi xmlns:a14="http://schemas.microsoft.com/office/drawing/2010/main" val="0"/>
+              </a:ext>
+            </a:extLst>
+          </a:blip>
+          <a:srcRect/>
+          <a:stretch>
+            <a:fillRect/>
+          </a:stretch>
+        </p:blipFill>
+        <p:spPr bwMode="auto">
+          <a:xfrm>
+            <a:off x="5530473" y="6043238"/>
+            <a:ext cx="1792667" cy="616229"/>
+          </a:xfrm>
+          <a:prstGeom prst="rect">
+            <a:avLst/>
+          </a:prstGeom>
+          <a:noFill/>
+          <a:extLst>
+            <a:ext uri="{909E8E84-426E-40DD-AFC4-6F175D3DCCD1}">
+              <a14:hiddenFill xmlns:a14="http://schemas.microsoft.com/office/drawing/2010/main">
+                <a:solidFill>
+                  <a:srgbClr val="FFFFFF"/>
+                </a:solidFill>
+              </a14:hiddenFill>
+            </a:ext>
+          </a:extLst>
+        </p:spPr>
+      </p:pic>
+      <p:pic>
+        <p:nvPicPr>
+          <p:cNvPr id="6160" name="Picture 16" descr="Image result for node js logo">
+            <a:extLst>
+              <a:ext uri="{FF2B5EF4-FFF2-40B4-BE49-F238E27FC236}">
+                <a16:creationId xmlns:a16="http://schemas.microsoft.com/office/drawing/2014/main" id="{6FDFEC48-9E70-49A2-9B31-57B43EFEF672}"/>
+              </a:ext>
+            </a:extLst>
+          </p:cNvPr>
+          <p:cNvPicPr>
+            <a:picLocks noChangeAspect="1" noChangeArrowheads="1"/>
+          </p:cNvPicPr>
+          <p:nvPr/>
+        </p:nvPicPr>
+        <p:blipFill>
+          <a:blip r:embed="rId5">
+            <a:extLst>
+              <a:ext uri="{28A0092B-C50C-407E-A947-70E740481C1C}">
+                <a14:useLocalDpi xmlns:a14="http://schemas.microsoft.com/office/drawing/2010/main" val="0"/>
+              </a:ext>
+            </a:extLst>
+          </a:blip>
+          <a:srcRect/>
+          <a:stretch>
+            <a:fillRect/>
+          </a:stretch>
+        </p:blipFill>
+        <p:spPr bwMode="auto">
+          <a:xfrm>
+            <a:off x="2826806" y="6117463"/>
+            <a:ext cx="1617817" cy="435250"/>
+          </a:xfrm>
+          <a:prstGeom prst="rect">
+            <a:avLst/>
+          </a:prstGeom>
+          <a:noFill/>
+          <a:extLst>
+            <a:ext uri="{909E8E84-426E-40DD-AFC4-6F175D3DCCD1}">
+              <a14:hiddenFill xmlns:a14="http://schemas.microsoft.com/office/drawing/2010/main">
+                <a:solidFill>
+                  <a:srgbClr val="FFFFFF"/>
+                </a:solidFill>
+              </a14:hiddenFill>
+            </a:ext>
+          </a:extLst>
+        </p:spPr>
+      </p:pic>
+      <p:pic>
+        <p:nvPicPr>
+          <p:cNvPr id="106" name="Picture 2" descr="Image result for android icon">
+            <a:extLst>
+              <a:ext uri="{FF2B5EF4-FFF2-40B4-BE49-F238E27FC236}">
+                <a16:creationId xmlns:a16="http://schemas.microsoft.com/office/drawing/2014/main" id="{22144E38-FAA5-4163-B2A0-C020626E506A}"/>
+              </a:ext>
+            </a:extLst>
+          </p:cNvPr>
+          <p:cNvPicPr>
+            <a:picLocks noChangeAspect="1" noChangeArrowheads="1"/>
+          </p:cNvPicPr>
+          <p:nvPr/>
+        </p:nvPicPr>
+        <p:blipFill>
+          <a:blip r:embed="rId6">
+            <a:extLst>
+              <a:ext uri="{28A0092B-C50C-407E-A947-70E740481C1C}">
+                <a14:useLocalDpi xmlns:a14="http://schemas.microsoft.com/office/drawing/2010/main" val="0"/>
+              </a:ext>
+            </a:extLst>
+          </a:blip>
+          <a:srcRect/>
+          <a:stretch>
+            <a:fillRect/>
+          </a:stretch>
+        </p:blipFill>
+        <p:spPr bwMode="auto">
+          <a:xfrm>
+            <a:off x="10857945" y="2604318"/>
+            <a:ext cx="661507" cy="661507"/>
+          </a:xfrm>
+          <a:prstGeom prst="rect">
+            <a:avLst/>
+          </a:prstGeom>
+          <a:noFill/>
+          <a:extLst>
+            <a:ext uri="{909E8E84-426E-40DD-AFC4-6F175D3DCCD1}">
+              <a14:hiddenFill xmlns:a14="http://schemas.microsoft.com/office/drawing/2010/main">
+                <a:solidFill>
+                  <a:srgbClr val="FFFFFF"/>
+                </a:solidFill>
+              </a14:hiddenFill>
+            </a:ext>
+          </a:extLst>
+        </p:spPr>
+      </p:pic>
+    </p:spTree>
+    <p:extLst>
+      <p:ext uri="{BB962C8B-B14F-4D97-AF65-F5344CB8AC3E}">
+        <p14:creationId xmlns:p14="http://schemas.microsoft.com/office/powerpoint/2010/main" val="714988121"/>
+      </p:ext>
+    </p:extLst>
+  </p:cSld>
+  <p:clrMapOvr>
+    <a:masterClrMapping/>
+  </p:clrMapOvr>
+</p:sld>
+</file>
+
+<file path=ppt/slides/slide7.xml><?xml version="1.0" encoding="utf-8"?>
+<p:sld xmlns:a="http://schemas.openxmlformats.org/drawingml/2006/main" xmlns:r="http://schemas.openxmlformats.org/officeDocument/2006/relationships" xmlns:p="http://schemas.openxmlformats.org/presentationml/2006/main">
+  <p:cSld>
+    <p:spTree>
+      <p:nvGrpSpPr>
+        <p:cNvPr id="1" name=""/>
+        <p:cNvGrpSpPr/>
+        <p:nvPr/>
+      </p:nvGrpSpPr>
+      <p:grpSpPr>
+        <a:xfrm>
+          <a:off x="0" y="0"/>
+          <a:ext cx="0" cy="0"/>
+          <a:chOff x="0" y="0"/>
+          <a:chExt cx="0" cy="0"/>
+        </a:xfrm>
+      </p:grpSpPr>
+      <p:sp>
+        <p:nvSpPr>
+          <p:cNvPr id="2" name="Title 1">
+            <a:extLst>
+              <a:ext uri="{FF2B5EF4-FFF2-40B4-BE49-F238E27FC236}">
+                <a16:creationId xmlns:a16="http://schemas.microsoft.com/office/drawing/2014/main" id="{9A1047DD-7237-41FE-B173-6FCEEDF17EAC}"/>
+              </a:ext>
+            </a:extLst>
+          </p:cNvPr>
+          <p:cNvSpPr>
+            <a:spLocks noGrp="1"/>
+          </p:cNvSpPr>
+          <p:nvPr>
+            <p:ph type="title"/>
+          </p:nvPr>
+        </p:nvSpPr>
+        <p:spPr>
+          <a:xfrm>
+            <a:off x="581192" y="702156"/>
+            <a:ext cx="11029616" cy="609809"/>
+          </a:xfrm>
+        </p:spPr>
+        <p:txBody>
+          <a:bodyPr/>
+          <a:lstStyle/>
+          <a:p>
+            <a:pPr algn="ctr"/>
+            <a:r>
+              <a:rPr lang="en-US" dirty="0"/>
+              <a:t>Future opportunities</a:t>
+            </a:r>
+          </a:p>
+        </p:txBody>
+      </p:sp>
+      <p:pic>
+        <p:nvPicPr>
+          <p:cNvPr id="7172" name="Picture 4" descr="Image result for google search engine">
+            <a:extLst>
+              <a:ext uri="{FF2B5EF4-FFF2-40B4-BE49-F238E27FC236}">
+                <a16:creationId xmlns:a16="http://schemas.microsoft.com/office/drawing/2014/main" id="{C89D2EF8-6C63-4350-91C9-A2D2C71CCF8B}"/>
+              </a:ext>
+            </a:extLst>
+          </p:cNvPr>
+          <p:cNvPicPr>
+            <a:picLocks noChangeAspect="1" noChangeArrowheads="1"/>
+          </p:cNvPicPr>
+          <p:nvPr/>
+        </p:nvPicPr>
+        <p:blipFill>
+          <a:blip r:embed="rId2">
+            <a:extLst>
+              <a:ext uri="{28A0092B-C50C-407E-A947-70E740481C1C}">
+                <a14:useLocalDpi xmlns:a14="http://schemas.microsoft.com/office/drawing/2010/main" val="0"/>
+              </a:ext>
+            </a:extLst>
+          </a:blip>
+          <a:srcRect/>
+          <a:stretch>
+            <a:fillRect/>
+          </a:stretch>
+        </p:blipFill>
+        <p:spPr bwMode="auto">
+          <a:xfrm>
+            <a:off x="556178" y="2867620"/>
+            <a:ext cx="3383363" cy="1905872"/>
+          </a:xfrm>
+          <a:prstGeom prst="rect">
+            <a:avLst/>
+          </a:prstGeom>
+          <a:noFill/>
+          <a:extLst>
+            <a:ext uri="{909E8E84-426E-40DD-AFC4-6F175D3DCCD1}">
+              <a14:hiddenFill xmlns:a14="http://schemas.microsoft.com/office/drawing/2010/main">
+                <a:solidFill>
+                  <a:srgbClr val="FFFFFF"/>
+                </a:solidFill>
+              </a14:hiddenFill>
+            </a:ext>
+          </a:extLst>
+        </p:spPr>
+      </p:pic>
+      <p:pic>
+        <p:nvPicPr>
+          <p:cNvPr id="7174" name="Picture 6" descr="Image result for deaf symbol">
+            <a:extLst>
+              <a:ext uri="{FF2B5EF4-FFF2-40B4-BE49-F238E27FC236}">
+                <a16:creationId xmlns:a16="http://schemas.microsoft.com/office/drawing/2014/main" id="{667BF1FD-7FBD-49B9-9885-782A7A79334A}"/>
+              </a:ext>
+            </a:extLst>
+          </p:cNvPr>
+          <p:cNvPicPr>
+            <a:picLocks noChangeAspect="1" noChangeArrowheads="1"/>
+          </p:cNvPicPr>
+          <p:nvPr/>
+        </p:nvPicPr>
+        <p:blipFill>
+          <a:blip r:embed="rId3">
+            <a:extLst>
+              <a:ext uri="{28A0092B-C50C-407E-A947-70E740481C1C}">
+                <a14:useLocalDpi xmlns:a14="http://schemas.microsoft.com/office/drawing/2010/main" val="0"/>
+              </a:ext>
+            </a:extLst>
+          </a:blip>
+          <a:srcRect/>
+          <a:stretch>
+            <a:fillRect/>
+          </a:stretch>
+        </p:blipFill>
+        <p:spPr bwMode="auto">
+          <a:xfrm>
+            <a:off x="9296419" y="4134679"/>
+            <a:ext cx="2277616" cy="2336317"/>
+          </a:xfrm>
+          <a:prstGeom prst="rect">
+            <a:avLst/>
+          </a:prstGeom>
+          <a:noFill/>
+          <a:extLst>
+            <a:ext uri="{909E8E84-426E-40DD-AFC4-6F175D3DCCD1}">
+              <a14:hiddenFill xmlns:a14="http://schemas.microsoft.com/office/drawing/2010/main">
+                <a:solidFill>
+                  <a:srgbClr val="FFFFFF"/>
+                </a:solidFill>
+              </a14:hiddenFill>
+            </a:ext>
+          </a:extLst>
+        </p:spPr>
+      </p:pic>
+      <p:sp>
+        <p:nvSpPr>
+          <p:cNvPr id="4" name="TextBox 3">
+            <a:extLst>
+              <a:ext uri="{FF2B5EF4-FFF2-40B4-BE49-F238E27FC236}">
+                <a16:creationId xmlns:a16="http://schemas.microsoft.com/office/drawing/2014/main" id="{3B03F1C8-778B-407B-8641-38E3DF451F11}"/>
+              </a:ext>
+            </a:extLst>
+          </p:cNvPr>
+          <p:cNvSpPr txBox="1"/>
+          <p:nvPr/>
+        </p:nvSpPr>
+        <p:spPr>
+          <a:xfrm>
+            <a:off x="7682947" y="4948894"/>
+            <a:ext cx="1749287" cy="707886"/>
+          </a:xfrm>
+          <a:prstGeom prst="rect">
+            <a:avLst/>
+          </a:prstGeom>
+          <a:noFill/>
+        </p:spPr>
+        <p:txBody>
+          <a:bodyPr wrap="square" rtlCol="0">
+            <a:spAutoFit/>
+          </a:bodyPr>
+          <a:lstStyle/>
+          <a:p>
+            <a:r>
+              <a:rPr lang="en-US" sz="2000" b="1" dirty="0"/>
+              <a:t>HARD OF HEARING</a:t>
+            </a:r>
+          </a:p>
+        </p:txBody>
+      </p:sp>
+      <p:sp>
+        <p:nvSpPr>
+          <p:cNvPr id="8" name="TextBox 7">
+            <a:extLst>
+              <a:ext uri="{FF2B5EF4-FFF2-40B4-BE49-F238E27FC236}">
+                <a16:creationId xmlns:a16="http://schemas.microsoft.com/office/drawing/2014/main" id="{C55CA9CC-F2FB-43B4-B14F-2EF69612EA98}"/>
+              </a:ext>
+            </a:extLst>
+          </p:cNvPr>
+          <p:cNvSpPr txBox="1"/>
+          <p:nvPr/>
+        </p:nvSpPr>
+        <p:spPr>
+          <a:xfrm>
+            <a:off x="953740" y="1661493"/>
+            <a:ext cx="3508927" cy="707886"/>
+          </a:xfrm>
+          <a:prstGeom prst="rect">
+            <a:avLst/>
+          </a:prstGeom>
+          <a:noFill/>
+        </p:spPr>
+        <p:txBody>
+          <a:bodyPr wrap="square" rtlCol="0">
+            <a:spAutoFit/>
+          </a:bodyPr>
+          <a:lstStyle/>
+          <a:p>
+            <a:r>
+              <a:rPr lang="en-US" sz="2000" b="1" dirty="0"/>
+              <a:t>PRODUCT IMPROVEMENTS</a:t>
+            </a:r>
+          </a:p>
+        </p:txBody>
+      </p:sp>
+      <p:pic>
+        <p:nvPicPr>
+          <p:cNvPr id="7176" name="Picture 8" descr="Image result for android icon black transparent background">
+            <a:extLst>
+              <a:ext uri="{FF2B5EF4-FFF2-40B4-BE49-F238E27FC236}">
+                <a16:creationId xmlns:a16="http://schemas.microsoft.com/office/drawing/2014/main" id="{C24A6FDB-E8EA-4948-BFD7-DE6DF2D801C2}"/>
+              </a:ext>
+            </a:extLst>
+          </p:cNvPr>
+          <p:cNvPicPr>
+            <a:picLocks noChangeAspect="1" noChangeArrowheads="1"/>
+          </p:cNvPicPr>
+          <p:nvPr/>
+        </p:nvPicPr>
+        <p:blipFill>
+          <a:blip r:embed="rId4">
+            <a:extLst>
+              <a:ext uri="{28A0092B-C50C-407E-A947-70E740481C1C}">
+                <a14:useLocalDpi xmlns:a14="http://schemas.microsoft.com/office/drawing/2010/main" val="0"/>
+              </a:ext>
+            </a:extLst>
+          </a:blip>
+          <a:srcRect/>
+          <a:stretch>
+            <a:fillRect/>
+          </a:stretch>
+        </p:blipFill>
+        <p:spPr bwMode="auto">
+          <a:xfrm>
+            <a:off x="7012785" y="1622110"/>
+            <a:ext cx="2805393" cy="2104045"/>
+          </a:xfrm>
+          <a:prstGeom prst="rect">
+            <a:avLst/>
+          </a:prstGeom>
+          <a:noFill/>
+          <a:extLst>
+            <a:ext uri="{909E8E84-426E-40DD-AFC4-6F175D3DCCD1}">
+              <a14:hiddenFill xmlns:a14="http://schemas.microsoft.com/office/drawing/2010/main">
+                <a:solidFill>
+                  <a:srgbClr val="FFFFFF"/>
+                </a:solidFill>
+              </a14:hiddenFill>
+            </a:ext>
+          </a:extLst>
+        </p:spPr>
+      </p:pic>
+      <p:pic>
+        <p:nvPicPr>
+          <p:cNvPr id="10" name="Picture 9">
+            <a:extLst>
+              <a:ext uri="{FF2B5EF4-FFF2-40B4-BE49-F238E27FC236}">
+                <a16:creationId xmlns:a16="http://schemas.microsoft.com/office/drawing/2014/main" id="{55174493-9ABD-41FC-AB0A-BF39C6E20D0A}"/>
+              </a:ext>
+            </a:extLst>
+          </p:cNvPr>
+          <p:cNvPicPr>
+            <a:picLocks noChangeAspect="1"/>
+          </p:cNvPicPr>
+          <p:nvPr/>
+        </p:nvPicPr>
+        <p:blipFill rotWithShape="1">
+          <a:blip r:embed="rId5"/>
+          <a:srcRect l="13750" t="15337" r="13476" b="29025"/>
+          <a:stretch/>
+        </p:blipFill>
+        <p:spPr>
+          <a:xfrm>
+            <a:off x="11345810" y="6155844"/>
+            <a:ext cx="846190" cy="685800"/>
+          </a:xfrm>
+          <a:prstGeom prst="rect">
+            <a:avLst/>
+          </a:prstGeom>
+        </p:spPr>
+      </p:pic>
+      <p:sp>
+        <p:nvSpPr>
+          <p:cNvPr id="5" name="TextBox 4">
+            <a:extLst>
+              <a:ext uri="{FF2B5EF4-FFF2-40B4-BE49-F238E27FC236}">
+                <a16:creationId xmlns:a16="http://schemas.microsoft.com/office/drawing/2014/main" id="{1F7FD4CF-998F-47CE-B625-B1250D3374D2}"/>
+              </a:ext>
+            </a:extLst>
+          </p:cNvPr>
+          <p:cNvSpPr txBox="1"/>
+          <p:nvPr/>
+        </p:nvSpPr>
+        <p:spPr>
+          <a:xfrm>
+            <a:off x="9296419" y="2126180"/>
+            <a:ext cx="1580497" cy="646331"/>
+          </a:xfrm>
+          <a:prstGeom prst="rect">
+            <a:avLst/>
+          </a:prstGeom>
+          <a:noFill/>
+        </p:spPr>
+        <p:txBody>
+          <a:bodyPr wrap="none" rtlCol="0">
+            <a:spAutoFit/>
+          </a:bodyPr>
+          <a:lstStyle/>
+          <a:p>
+            <a:r>
+              <a:rPr lang="en-US" b="1" dirty="0"/>
+              <a:t>BUILT INTO</a:t>
+            </a:r>
+          </a:p>
+          <a:p>
+            <a:r>
+              <a:rPr lang="en-US" b="1" dirty="0"/>
+              <a:t>ANDROID</a:t>
+            </a:r>
+          </a:p>
+        </p:txBody>
+      </p:sp>
+      <p:sp>
+        <p:nvSpPr>
+          <p:cNvPr id="12" name="TextBox 11">
+            <a:extLst>
+              <a:ext uri="{FF2B5EF4-FFF2-40B4-BE49-F238E27FC236}">
+                <a16:creationId xmlns:a16="http://schemas.microsoft.com/office/drawing/2014/main" id="{B772D55E-83B8-4257-A91C-4F904CA6C3A5}"/>
+              </a:ext>
+            </a:extLst>
+          </p:cNvPr>
+          <p:cNvSpPr txBox="1"/>
+          <p:nvPr/>
+        </p:nvSpPr>
+        <p:spPr>
+          <a:xfrm>
+            <a:off x="953740" y="4948894"/>
+            <a:ext cx="2778068" cy="369332"/>
+          </a:xfrm>
+          <a:prstGeom prst="rect">
+            <a:avLst/>
+          </a:prstGeom>
+          <a:noFill/>
+        </p:spPr>
+        <p:txBody>
+          <a:bodyPr wrap="none" rtlCol="0">
+            <a:spAutoFit/>
+          </a:bodyPr>
+          <a:lstStyle/>
+          <a:p>
+            <a:r>
+              <a:rPr lang="en-US" b="1" dirty="0"/>
+              <a:t>CHROME EXTENSION</a:t>
+            </a:r>
+          </a:p>
+        </p:txBody>
+      </p:sp>
+    </p:spTree>
+    <p:extLst>
+      <p:ext uri="{BB962C8B-B14F-4D97-AF65-F5344CB8AC3E}">
+        <p14:creationId xmlns:p14="http://schemas.microsoft.com/office/powerpoint/2010/main" val="773250469"/>
       </p:ext>
     </p:extLst>
   </p:cSld>
